--- a/presentation.pptx
+++ b/presentation.pptx
@@ -13,6 +13,9 @@
     <p:sldId id="261" r:id="rId7"/>
     <p:sldId id="262" r:id="rId8"/>
     <p:sldId id="263" r:id="rId9"/>
+    <p:sldId id="264" r:id="rId10"/>
+    <p:sldId id="265" r:id="rId11"/>
+    <p:sldId id="266" r:id="rId12"/>
   </p:sldIdLst>
   <p:sldSz cx="12192000" cy="6858000"/>
   <p:notesSz cx="6858000" cy="9144000"/>
@@ -1606,7 +1609,7 @@
           <a:p>
             <a:fld id="{507718B8-419B-44F1-A15C-DCE6E89441DE}" type="datetimeFigureOut">
               <a:rPr lang="he-IL" smtClean="0"/>
-              <a:t>י"ז/סיון/תשפ"ג</a:t>
+              <a:t>י"ח/סיון/תשפ"ג</a:t>
             </a:fld>
             <a:endParaRPr lang="he-IL"/>
           </a:p>
@@ -2020,7 +2023,7 @@
           <a:p>
             <a:fld id="{507718B8-419B-44F1-A15C-DCE6E89441DE}" type="datetimeFigureOut">
               <a:rPr lang="he-IL" smtClean="0"/>
-              <a:t>י"ז/סיון/תשפ"ג</a:t>
+              <a:t>י"ח/סיון/תשפ"ג</a:t>
             </a:fld>
             <a:endParaRPr lang="he-IL"/>
           </a:p>
@@ -2356,7 +2359,7 @@
           <a:p>
             <a:fld id="{507718B8-419B-44F1-A15C-DCE6E89441DE}" type="datetimeFigureOut">
               <a:rPr lang="he-IL" smtClean="0"/>
-              <a:t>י"ז/סיון/תשפ"ג</a:t>
+              <a:t>י"ח/סיון/תשפ"ג</a:t>
             </a:fld>
             <a:endParaRPr lang="he-IL"/>
           </a:p>
@@ -2761,7 +2764,7 @@
           <a:p>
             <a:fld id="{507718B8-419B-44F1-A15C-DCE6E89441DE}" type="datetimeFigureOut">
               <a:rPr lang="he-IL" smtClean="0"/>
-              <a:t>י"ז/סיון/תשפ"ג</a:t>
+              <a:t>י"ח/סיון/תשפ"ג</a:t>
             </a:fld>
             <a:endParaRPr lang="he-IL"/>
           </a:p>
@@ -3329,7 +3332,7 @@
           <a:p>
             <a:fld id="{507718B8-419B-44F1-A15C-DCE6E89441DE}" type="datetimeFigureOut">
               <a:rPr lang="he-IL" smtClean="0"/>
-              <a:t>י"ז/סיון/תשפ"ג</a:t>
+              <a:t>י"ח/סיון/תשפ"ג</a:t>
             </a:fld>
             <a:endParaRPr lang="he-IL"/>
           </a:p>
@@ -4010,7 +4013,7 @@
           <a:p>
             <a:fld id="{507718B8-419B-44F1-A15C-DCE6E89441DE}" type="datetimeFigureOut">
               <a:rPr lang="he-IL" smtClean="0"/>
-              <a:t>י"ז/סיון/תשפ"ג</a:t>
+              <a:t>י"ח/סיון/תשפ"ג</a:t>
             </a:fld>
             <a:endParaRPr lang="he-IL"/>
           </a:p>
@@ -4923,7 +4926,7 @@
           <a:p>
             <a:fld id="{507718B8-419B-44F1-A15C-DCE6E89441DE}" type="datetimeFigureOut">
               <a:rPr lang="he-IL" smtClean="0"/>
-              <a:t>י"ז/סיון/תשפ"ג</a:t>
+              <a:t>י"ח/סיון/תשפ"ג</a:t>
             </a:fld>
             <a:endParaRPr lang="he-IL"/>
           </a:p>
@@ -5236,7 +5239,7 @@
           <a:p>
             <a:fld id="{507718B8-419B-44F1-A15C-DCE6E89441DE}" type="datetimeFigureOut">
               <a:rPr lang="he-IL" smtClean="0"/>
-              <a:t>י"ז/סיון/תשפ"ג</a:t>
+              <a:t>י"ח/סיון/תשפ"ג</a:t>
             </a:fld>
             <a:endParaRPr lang="he-IL"/>
           </a:p>
@@ -5500,7 +5503,7 @@
           <a:p>
             <a:fld id="{507718B8-419B-44F1-A15C-DCE6E89441DE}" type="datetimeFigureOut">
               <a:rPr lang="he-IL" smtClean="0"/>
-              <a:t>י"ז/סיון/תשפ"ג</a:t>
+              <a:t>י"ח/סיון/תשפ"ג</a:t>
             </a:fld>
             <a:endParaRPr lang="he-IL"/>
           </a:p>
@@ -5823,7 +5826,7 @@
           <a:p>
             <a:fld id="{507718B8-419B-44F1-A15C-DCE6E89441DE}" type="datetimeFigureOut">
               <a:rPr lang="he-IL" smtClean="0"/>
-              <a:t>י"ז/סיון/תשפ"ג</a:t>
+              <a:t>י"ח/סיון/תשפ"ג</a:t>
             </a:fld>
             <a:endParaRPr lang="he-IL"/>
           </a:p>
@@ -6212,7 +6215,7 @@
           <a:p>
             <a:fld id="{507718B8-419B-44F1-A15C-DCE6E89441DE}" type="datetimeFigureOut">
               <a:rPr lang="he-IL" smtClean="0"/>
-              <a:t>י"ז/סיון/תשפ"ג</a:t>
+              <a:t>י"ח/סיון/תשפ"ג</a:t>
             </a:fld>
             <a:endParaRPr lang="he-IL"/>
           </a:p>
@@ -6588,7 +6591,7 @@
           <a:p>
             <a:fld id="{507718B8-419B-44F1-A15C-DCE6E89441DE}" type="datetimeFigureOut">
               <a:rPr lang="he-IL" smtClean="0"/>
-              <a:t>י"ז/סיון/תשפ"ג</a:t>
+              <a:t>י"ח/סיון/תשפ"ג</a:t>
             </a:fld>
             <a:endParaRPr lang="he-IL"/>
           </a:p>
@@ -7094,7 +7097,7 @@
           <a:p>
             <a:fld id="{507718B8-419B-44F1-A15C-DCE6E89441DE}" type="datetimeFigureOut">
               <a:rPr lang="he-IL" smtClean="0"/>
-              <a:t>י"ז/סיון/תשפ"ג</a:t>
+              <a:t>י"ח/סיון/תשפ"ג</a:t>
             </a:fld>
             <a:endParaRPr lang="he-IL"/>
           </a:p>
@@ -7351,7 +7354,7 @@
           <a:p>
             <a:fld id="{507718B8-419B-44F1-A15C-DCE6E89441DE}" type="datetimeFigureOut">
               <a:rPr lang="he-IL" smtClean="0"/>
-              <a:t>י"ז/סיון/תשפ"ג</a:t>
+              <a:t>י"ח/סיון/תשפ"ג</a:t>
             </a:fld>
             <a:endParaRPr lang="he-IL"/>
           </a:p>
@@ -7514,7 +7517,7 @@
           <a:p>
             <a:fld id="{507718B8-419B-44F1-A15C-DCE6E89441DE}" type="datetimeFigureOut">
               <a:rPr lang="he-IL" smtClean="0"/>
-              <a:t>י"ז/סיון/תשפ"ג</a:t>
+              <a:t>י"ח/סיון/תשפ"ג</a:t>
             </a:fld>
             <a:endParaRPr lang="he-IL"/>
           </a:p>
@@ -7904,7 +7907,7 @@
           <a:p>
             <a:fld id="{507718B8-419B-44F1-A15C-DCE6E89441DE}" type="datetimeFigureOut">
               <a:rPr lang="he-IL" smtClean="0"/>
-              <a:t>י"ז/סיון/תשפ"ג</a:t>
+              <a:t>י"ח/סיון/תשפ"ג</a:t>
             </a:fld>
             <a:endParaRPr lang="he-IL"/>
           </a:p>
@@ -8313,7 +8316,7 @@
           <a:p>
             <a:fld id="{507718B8-419B-44F1-A15C-DCE6E89441DE}" type="datetimeFigureOut">
               <a:rPr lang="he-IL" smtClean="0"/>
-              <a:t>י"ז/סיון/תשפ"ג</a:t>
+              <a:t>י"ח/סיון/תשפ"ג</a:t>
             </a:fld>
             <a:endParaRPr lang="he-IL"/>
           </a:p>
@@ -8557,7 +8560,7 @@
           <a:p>
             <a:fld id="{507718B8-419B-44F1-A15C-DCE6E89441DE}" type="datetimeFigureOut">
               <a:rPr lang="he-IL" smtClean="0"/>
-              <a:t>י"ז/סיון/תשפ"ג</a:t>
+              <a:t>י"ח/סיון/תשפ"ג</a:t>
             </a:fld>
             <a:endParaRPr lang="he-IL"/>
           </a:p>
@@ -9521,8 +9524,8 @@
         </p:nvSpPr>
         <p:spPr>
           <a:xfrm>
-            <a:off x="1122334" y="3699365"/>
-            <a:ext cx="3648269" cy="923330"/>
+            <a:off x="1122333" y="3381372"/>
+            <a:ext cx="3648269" cy="1015663"/>
           </a:xfrm>
           <a:prstGeom prst="rect">
             <a:avLst/>
@@ -9537,18 +9540,18 @@
           <a:p>
             <a:pPr algn="ctr"/>
             <a:r>
-              <a:rPr lang="en-US" dirty="0">
+              <a:rPr lang="en-US" sz="2000" dirty="0">
                 <a:solidFill>
                   <a:schemeClr val="bg1"/>
                 </a:solidFill>
               </a:rPr>
-              <a:t>Presenting:</a:t>
+              <a:t>Presented by:</a:t>
             </a:r>
           </a:p>
           <a:p>
             <a:pPr algn="ctr"/>
             <a:r>
-              <a:rPr lang="en-US" dirty="0">
+              <a:rPr lang="en-US" sz="2000" dirty="0">
                 <a:solidFill>
                   <a:schemeClr val="bg1"/>
                 </a:solidFill>
@@ -9559,18 +9562,53 @@
           <a:p>
             <a:pPr algn="ctr"/>
             <a:r>
-              <a:rPr lang="en-US" dirty="0">
+              <a:rPr lang="en-US" sz="2000" dirty="0">
                 <a:solidFill>
                   <a:schemeClr val="bg1"/>
                 </a:solidFill>
               </a:rPr>
               <a:t>Itai Tzruia</a:t>
             </a:r>
-            <a:endParaRPr lang="en-IL" dirty="0">
-              <a:solidFill>
-                <a:schemeClr val="bg1"/>
-              </a:solidFill>
-            </a:endParaRPr>
+          </a:p>
+        </p:txBody>
+      </p:sp>
+      <p:sp>
+        <p:nvSpPr>
+          <p:cNvPr id="3" name="TextBox 1">
+            <a:extLst>
+              <a:ext uri="{FF2B5EF4-FFF2-40B4-BE49-F238E27FC236}">
+                <a16:creationId xmlns:a16="http://schemas.microsoft.com/office/drawing/2014/main" id="{EC75B415-40B2-216E-DC95-E55D2AD4606B}"/>
+              </a:ext>
+            </a:extLst>
+          </p:cNvPr>
+          <p:cNvSpPr txBox="1"/>
+          <p:nvPr/>
+        </p:nvSpPr>
+        <p:spPr>
+          <a:xfrm>
+            <a:off x="1122333" y="5057930"/>
+            <a:ext cx="3648269" cy="461665"/>
+          </a:xfrm>
+          <a:prstGeom prst="rect">
+            <a:avLst/>
+          </a:prstGeom>
+          <a:noFill/>
+        </p:spPr>
+        <p:txBody>
+          <a:bodyPr wrap="square" rtlCol="0">
+            <a:spAutoFit/>
+          </a:bodyPr>
+          <a:lstStyle/>
+          <a:p>
+            <a:pPr algn="ctr"/>
+            <a:r>
+              <a:rPr lang="en-US" sz="2400" dirty="0">
+                <a:solidFill>
+                  <a:schemeClr val="bg1"/>
+                </a:solidFill>
+              </a:rPr>
+              <a:t>NLPSD 2023</a:t>
+            </a:r>
           </a:p>
         </p:txBody>
       </p:sp>
@@ -9578,6 +9616,247 @@
     <p:extLst>
       <p:ext uri="{BB962C8B-B14F-4D97-AF65-F5344CB8AC3E}">
         <p14:creationId xmlns:p14="http://schemas.microsoft.com/office/powerpoint/2010/main" val="2416624865"/>
+      </p:ext>
+    </p:extLst>
+  </p:cSld>
+  <p:clrMapOvr>
+    <a:masterClrMapping/>
+  </p:clrMapOvr>
+</p:sld>
+</file>
+
+<file path=ppt/slides/slide10.xml><?xml version="1.0" encoding="utf-8"?>
+<p:sld xmlns:a="http://schemas.openxmlformats.org/drawingml/2006/main" xmlns:r="http://schemas.openxmlformats.org/officeDocument/2006/relationships" xmlns:p="http://schemas.openxmlformats.org/presentationml/2006/main">
+  <p:cSld>
+    <p:spTree>
+      <p:nvGrpSpPr>
+        <p:cNvPr id="1" name=""/>
+        <p:cNvGrpSpPr/>
+        <p:nvPr/>
+      </p:nvGrpSpPr>
+      <p:grpSpPr>
+        <a:xfrm>
+          <a:off x="0" y="0"/>
+          <a:ext cx="0" cy="0"/>
+          <a:chOff x="0" y="0"/>
+          <a:chExt cx="0" cy="0"/>
+        </a:xfrm>
+      </p:grpSpPr>
+      <p:sp>
+        <p:nvSpPr>
+          <p:cNvPr id="2" name="כותרת 1">
+            <a:extLst>
+              <a:ext uri="{FF2B5EF4-FFF2-40B4-BE49-F238E27FC236}">
+                <a16:creationId xmlns:a16="http://schemas.microsoft.com/office/drawing/2014/main" id="{44CE2CBE-9E87-843C-675A-91EFD435AF32}"/>
+              </a:ext>
+            </a:extLst>
+          </p:cNvPr>
+          <p:cNvSpPr>
+            <a:spLocks noGrp="1"/>
+          </p:cNvSpPr>
+          <p:nvPr>
+            <p:ph type="title"/>
+          </p:nvPr>
+        </p:nvSpPr>
+        <p:spPr/>
+        <p:txBody>
+          <a:bodyPr/>
+          <a:lstStyle/>
+          <a:p>
+            <a:r>
+              <a:rPr lang="en-US" dirty="0"/>
+              <a:t>Experiments</a:t>
+            </a:r>
+            <a:endParaRPr lang="he-IL" dirty="0"/>
+          </a:p>
+        </p:txBody>
+      </p:sp>
+      <p:sp>
+        <p:nvSpPr>
+          <p:cNvPr id="3" name="מציין מיקום תוכן 2">
+            <a:extLst>
+              <a:ext uri="{FF2B5EF4-FFF2-40B4-BE49-F238E27FC236}">
+                <a16:creationId xmlns:a16="http://schemas.microsoft.com/office/drawing/2014/main" id="{9AE3CAA3-6BD6-C912-56D3-78603376C64A}"/>
+              </a:ext>
+            </a:extLst>
+          </p:cNvPr>
+          <p:cNvSpPr>
+            <a:spLocks noGrp="1"/>
+          </p:cNvSpPr>
+          <p:nvPr>
+            <p:ph idx="1"/>
+          </p:nvPr>
+        </p:nvSpPr>
+        <p:spPr/>
+        <p:txBody>
+          <a:bodyPr/>
+          <a:lstStyle/>
+          <a:p>
+            <a:r>
+              <a:rPr lang="en-US" dirty="0"/>
+              <a:t>Running a full pipeline on the BGU cluster</a:t>
+            </a:r>
+          </a:p>
+          <a:p>
+            <a:r>
+              <a:rPr lang="en-US" dirty="0"/>
+              <a:t>A lot of data – memory leaks :(</a:t>
+            </a:r>
+          </a:p>
+        </p:txBody>
+      </p:sp>
+      <p:pic>
+        <p:nvPicPr>
+          <p:cNvPr id="7" name="תמונה 6">
+            <a:extLst>
+              <a:ext uri="{FF2B5EF4-FFF2-40B4-BE49-F238E27FC236}">
+                <a16:creationId xmlns:a16="http://schemas.microsoft.com/office/drawing/2014/main" id="{2404856F-DD87-ECC8-35AA-8CB98DFB7C7B}"/>
+              </a:ext>
+            </a:extLst>
+          </p:cNvPr>
+          <p:cNvPicPr>
+            <a:picLocks noChangeAspect="1"/>
+          </p:cNvPicPr>
+          <p:nvPr/>
+        </p:nvPicPr>
+        <p:blipFill>
+          <a:blip r:embed="rId2"/>
+          <a:stretch>
+            <a:fillRect/>
+          </a:stretch>
+        </p:blipFill>
+        <p:spPr>
+          <a:xfrm>
+            <a:off x="1838667" y="3742747"/>
+            <a:ext cx="3648584" cy="2524477"/>
+          </a:xfrm>
+          <a:prstGeom prst="rect">
+            <a:avLst/>
+          </a:prstGeom>
+        </p:spPr>
+      </p:pic>
+      <p:pic>
+        <p:nvPicPr>
+          <p:cNvPr id="9" name="תמונה 8">
+            <a:extLst>
+              <a:ext uri="{FF2B5EF4-FFF2-40B4-BE49-F238E27FC236}">
+                <a16:creationId xmlns:a16="http://schemas.microsoft.com/office/drawing/2014/main" id="{2E393D21-0A1B-3A39-524F-0DE824911F4E}"/>
+              </a:ext>
+            </a:extLst>
+          </p:cNvPr>
+          <p:cNvPicPr>
+            <a:picLocks noChangeAspect="1"/>
+          </p:cNvPicPr>
+          <p:nvPr/>
+        </p:nvPicPr>
+        <p:blipFill>
+          <a:blip r:embed="rId3"/>
+          <a:stretch>
+            <a:fillRect/>
+          </a:stretch>
+        </p:blipFill>
+        <p:spPr>
+          <a:xfrm>
+            <a:off x="6941294" y="3695115"/>
+            <a:ext cx="3639058" cy="2572109"/>
+          </a:xfrm>
+          <a:prstGeom prst="rect">
+            <a:avLst/>
+          </a:prstGeom>
+        </p:spPr>
+      </p:pic>
+    </p:spTree>
+    <p:extLst>
+      <p:ext uri="{BB962C8B-B14F-4D97-AF65-F5344CB8AC3E}">
+        <p14:creationId xmlns:p14="http://schemas.microsoft.com/office/powerpoint/2010/main" val="1606796042"/>
+      </p:ext>
+    </p:extLst>
+  </p:cSld>
+  <p:clrMapOvr>
+    <a:masterClrMapping/>
+  </p:clrMapOvr>
+</p:sld>
+</file>
+
+<file path=ppt/slides/slide11.xml><?xml version="1.0" encoding="utf-8"?>
+<p:sld xmlns:a="http://schemas.openxmlformats.org/drawingml/2006/main" xmlns:r="http://schemas.openxmlformats.org/officeDocument/2006/relationships" xmlns:p="http://schemas.openxmlformats.org/presentationml/2006/main">
+  <p:cSld>
+    <p:spTree>
+      <p:nvGrpSpPr>
+        <p:cNvPr id="1" name=""/>
+        <p:cNvGrpSpPr/>
+        <p:nvPr/>
+      </p:nvGrpSpPr>
+      <p:grpSpPr>
+        <a:xfrm>
+          <a:off x="0" y="0"/>
+          <a:ext cx="0" cy="0"/>
+          <a:chOff x="0" y="0"/>
+          <a:chExt cx="0" cy="0"/>
+        </a:xfrm>
+      </p:grpSpPr>
+      <p:sp>
+        <p:nvSpPr>
+          <p:cNvPr id="2" name="כותרת 1">
+            <a:extLst>
+              <a:ext uri="{FF2B5EF4-FFF2-40B4-BE49-F238E27FC236}">
+                <a16:creationId xmlns:a16="http://schemas.microsoft.com/office/drawing/2014/main" id="{8C88EF07-B77C-98F6-8D42-DFD034C25A53}"/>
+              </a:ext>
+            </a:extLst>
+          </p:cNvPr>
+          <p:cNvSpPr>
+            <a:spLocks noGrp="1"/>
+          </p:cNvSpPr>
+          <p:nvPr>
+            <p:ph type="title"/>
+          </p:nvPr>
+        </p:nvSpPr>
+        <p:spPr/>
+        <p:txBody>
+          <a:bodyPr/>
+          <a:lstStyle/>
+          <a:p>
+            <a:r>
+              <a:rPr lang="en-US" dirty="0"/>
+              <a:t>Initial Results</a:t>
+            </a:r>
+            <a:endParaRPr lang="he-IL" dirty="0"/>
+          </a:p>
+        </p:txBody>
+      </p:sp>
+      <p:sp>
+        <p:nvSpPr>
+          <p:cNvPr id="3" name="מציין מיקום תוכן 2">
+            <a:extLst>
+              <a:ext uri="{FF2B5EF4-FFF2-40B4-BE49-F238E27FC236}">
+                <a16:creationId xmlns:a16="http://schemas.microsoft.com/office/drawing/2014/main" id="{8CB72595-9DA8-B443-AA14-56EE15A11BA1}"/>
+              </a:ext>
+            </a:extLst>
+          </p:cNvPr>
+          <p:cNvSpPr>
+            <a:spLocks noGrp="1"/>
+          </p:cNvSpPr>
+          <p:nvPr>
+            <p:ph idx="1"/>
+          </p:nvPr>
+        </p:nvSpPr>
+        <p:spPr/>
+        <p:txBody>
+          <a:bodyPr/>
+          <a:lstStyle/>
+          <a:p>
+            <a:r>
+              <a:rPr lang="en-US" dirty="0"/>
+              <a:t>TBD</a:t>
+            </a:r>
+            <a:endParaRPr lang="he-IL" dirty="0"/>
+          </a:p>
+        </p:txBody>
+      </p:sp>
+    </p:spTree>
+    <p:extLst>
+      <p:ext uri="{BB962C8B-B14F-4D97-AF65-F5344CB8AC3E}">
+        <p14:creationId xmlns:p14="http://schemas.microsoft.com/office/powerpoint/2010/main" val="2918998856"/>
       </p:ext>
     </p:extLst>
   </p:cSld>
@@ -10556,7 +10835,7 @@
         </p:nvSpPr>
         <p:spPr>
           <a:xfrm>
-            <a:off x="680322" y="2733709"/>
+            <a:off x="-656110" y="307187"/>
             <a:ext cx="6752110" cy="1373070"/>
           </a:xfrm>
         </p:spPr>
@@ -10568,7 +10847,7 @@
           <a:p>
             <a:pPr algn="r"/>
             <a:r>
-              <a:rPr lang="en-US" sz="5400"/>
+              <a:rPr lang="en-US" sz="5400" dirty="0"/>
               <a:t>Some Examples </a:t>
             </a:r>
           </a:p>
@@ -10596,8 +10875,8 @@
         </p:blipFill>
         <p:spPr>
           <a:xfrm>
-            <a:off x="-1" y="4558"/>
-            <a:ext cx="6471049" cy="1553051"/>
+            <a:off x="1101838" y="2646647"/>
+            <a:ext cx="6121085" cy="1469060"/>
           </a:xfrm>
           <a:prstGeom prst="rect">
             <a:avLst/>
@@ -10656,8 +10935,8 @@
         </p:blipFill>
         <p:spPr>
           <a:xfrm rot="21032501">
-            <a:off x="241699" y="4480556"/>
-            <a:ext cx="4589447" cy="1996409"/>
+            <a:off x="43451" y="4589603"/>
+            <a:ext cx="5268728" cy="2291896"/>
           </a:xfrm>
           <a:prstGeom prst="rect">
             <a:avLst/>
@@ -11307,8 +11586,8 @@
           </a:prstGeom>
         </p:spPr>
       </p:pic>
-      <mc:AlternateContent xmlns:mc="http://schemas.openxmlformats.org/markup-compatibility/2006">
-        <mc:Choice xmlns:p14="http://schemas.microsoft.com/office/powerpoint/2010/main" Requires="p14">
+      <mc:AlternateContent xmlns:mc="http://schemas.openxmlformats.org/markup-compatibility/2006" xmlns:p14="http://schemas.microsoft.com/office/powerpoint/2010/main">
+        <mc:Choice Requires="p14">
           <p:contentPart p14:bwMode="auto" r:id="rId4">
             <p14:nvContentPartPr>
               <p14:cNvPr id="8" name="Ink 7">
@@ -11327,7 +11606,7 @@
             </p14:xfrm>
           </p:contentPart>
         </mc:Choice>
-        <mc:Fallback>
+        <mc:Fallback xmlns="">
           <p:pic>
             <p:nvPicPr>
               <p:cNvPr id="8" name="Ink 7">
@@ -11358,8 +11637,8 @@
           </p:pic>
         </mc:Fallback>
       </mc:AlternateContent>
-      <mc:AlternateContent xmlns:mc="http://schemas.openxmlformats.org/markup-compatibility/2006">
-        <mc:Choice xmlns:p14="http://schemas.microsoft.com/office/powerpoint/2010/main" Requires="p14">
+      <mc:AlternateContent xmlns:mc="http://schemas.openxmlformats.org/markup-compatibility/2006" xmlns:p14="http://schemas.microsoft.com/office/powerpoint/2010/main">
+        <mc:Choice Requires="p14">
           <p:contentPart p14:bwMode="auto" r:id="rId6">
             <p14:nvContentPartPr>
               <p14:cNvPr id="9" name="Ink 8">
@@ -11378,7 +11657,7 @@
             </p14:xfrm>
           </p:contentPart>
         </mc:Choice>
-        <mc:Fallback>
+        <mc:Fallback xmlns="">
           <p:pic>
             <p:nvPicPr>
               <p:cNvPr id="9" name="Ink 8">
@@ -11409,8 +11688,8 @@
           </p:pic>
         </mc:Fallback>
       </mc:AlternateContent>
-      <mc:AlternateContent xmlns:mc="http://schemas.openxmlformats.org/markup-compatibility/2006">
-        <mc:Choice xmlns:p14="http://schemas.microsoft.com/office/powerpoint/2010/main" Requires="p14">
+      <mc:AlternateContent xmlns:mc="http://schemas.openxmlformats.org/markup-compatibility/2006" xmlns:p14="http://schemas.microsoft.com/office/powerpoint/2010/main">
+        <mc:Choice Requires="p14">
           <p:contentPart p14:bwMode="auto" r:id="rId8">
             <p14:nvContentPartPr>
               <p14:cNvPr id="10" name="Ink 9">
@@ -11429,7 +11708,7 @@
             </p14:xfrm>
           </p:contentPart>
         </mc:Choice>
-        <mc:Fallback>
+        <mc:Fallback xmlns="">
           <p:pic>
             <p:nvPicPr>
               <p:cNvPr id="10" name="Ink 9">
@@ -12417,6 +12696,136 @@
     <p:extLst>
       <p:ext uri="{BB962C8B-B14F-4D97-AF65-F5344CB8AC3E}">
         <p14:creationId xmlns:p14="http://schemas.microsoft.com/office/powerpoint/2010/main" val="1872726461"/>
+      </p:ext>
+    </p:extLst>
+  </p:cSld>
+  <p:clrMapOvr>
+    <a:masterClrMapping/>
+  </p:clrMapOvr>
+</p:sld>
+</file>
+
+<file path=ppt/slides/slide9.xml><?xml version="1.0" encoding="utf-8"?>
+<p:sld xmlns:a="http://schemas.openxmlformats.org/drawingml/2006/main" xmlns:r="http://schemas.openxmlformats.org/officeDocument/2006/relationships" xmlns:p="http://schemas.openxmlformats.org/presentationml/2006/main">
+  <p:cSld>
+    <p:spTree>
+      <p:nvGrpSpPr>
+        <p:cNvPr id="1" name=""/>
+        <p:cNvGrpSpPr/>
+        <p:nvPr/>
+      </p:nvGrpSpPr>
+      <p:grpSpPr>
+        <a:xfrm>
+          <a:off x="0" y="0"/>
+          <a:ext cx="0" cy="0"/>
+          <a:chOff x="0" y="0"/>
+          <a:chExt cx="0" cy="0"/>
+        </a:xfrm>
+      </p:grpSpPr>
+      <p:sp>
+        <p:nvSpPr>
+          <p:cNvPr id="2" name="כותרת 1">
+            <a:extLst>
+              <a:ext uri="{FF2B5EF4-FFF2-40B4-BE49-F238E27FC236}">
+                <a16:creationId xmlns:a16="http://schemas.microsoft.com/office/drawing/2014/main" id="{D2C8BAE9-51F8-42B3-C642-348FE7FFCC2B}"/>
+              </a:ext>
+            </a:extLst>
+          </p:cNvPr>
+          <p:cNvSpPr>
+            <a:spLocks noGrp="1"/>
+          </p:cNvSpPr>
+          <p:nvPr>
+            <p:ph type="title"/>
+          </p:nvPr>
+        </p:nvSpPr>
+        <p:spPr/>
+        <p:txBody>
+          <a:bodyPr/>
+          <a:lstStyle/>
+          <a:p>
+            <a:r>
+              <a:rPr lang="en-US" dirty="0"/>
+              <a:t>Aggressive Score Rating</a:t>
+            </a:r>
+            <a:endParaRPr lang="he-IL" dirty="0"/>
+          </a:p>
+        </p:txBody>
+      </p:sp>
+      <p:sp>
+        <p:nvSpPr>
+          <p:cNvPr id="3" name="מציין מיקום תוכן 2">
+            <a:extLst>
+              <a:ext uri="{FF2B5EF4-FFF2-40B4-BE49-F238E27FC236}">
+                <a16:creationId xmlns:a16="http://schemas.microsoft.com/office/drawing/2014/main" id="{69E72E67-A284-21F4-9092-161C789C7470}"/>
+              </a:ext>
+            </a:extLst>
+          </p:cNvPr>
+          <p:cNvSpPr>
+            <a:spLocks noGrp="1"/>
+          </p:cNvSpPr>
+          <p:nvPr>
+            <p:ph idx="1"/>
+          </p:nvPr>
+        </p:nvSpPr>
+        <p:spPr/>
+        <p:txBody>
+          <a:bodyPr/>
+          <a:lstStyle/>
+          <a:p>
+            <a:r>
+              <a:rPr lang="en-US" dirty="0"/>
+              <a:t>Manually tagging ~1400 sentences (classification)</a:t>
+            </a:r>
+          </a:p>
+          <a:p>
+            <a:r>
+              <a:rPr lang="en-US" dirty="0" err="1"/>
+              <a:t>AlephBert</a:t>
+            </a:r>
+            <a:endParaRPr lang="en-US" dirty="0"/>
+          </a:p>
+          <a:p>
+            <a:r>
+              <a:rPr lang="en-US" dirty="0"/>
+              <a:t>Fine-tune/transfer learning</a:t>
+            </a:r>
+          </a:p>
+        </p:txBody>
+      </p:sp>
+      <p:pic>
+        <p:nvPicPr>
+          <p:cNvPr id="9" name="תמונה 8">
+            <a:extLst>
+              <a:ext uri="{FF2B5EF4-FFF2-40B4-BE49-F238E27FC236}">
+                <a16:creationId xmlns:a16="http://schemas.microsoft.com/office/drawing/2014/main" id="{602E0527-C182-AFE9-8E64-BE1DCF664DF3}"/>
+              </a:ext>
+            </a:extLst>
+          </p:cNvPr>
+          <p:cNvPicPr>
+            <a:picLocks noChangeAspect="1"/>
+          </p:cNvPicPr>
+          <p:nvPr/>
+        </p:nvPicPr>
+        <p:blipFill>
+          <a:blip r:embed="rId2"/>
+          <a:stretch>
+            <a:fillRect/>
+          </a:stretch>
+        </p:blipFill>
+        <p:spPr>
+          <a:xfrm>
+            <a:off x="378087" y="4266264"/>
+            <a:ext cx="11435825" cy="1951656"/>
+          </a:xfrm>
+          <a:prstGeom prst="rect">
+            <a:avLst/>
+          </a:prstGeom>
+        </p:spPr>
+      </p:pic>
+    </p:spTree>
+    <p:extLst>
+      <p:ext uri="{BB962C8B-B14F-4D97-AF65-F5344CB8AC3E}">
+        <p14:creationId xmlns:p14="http://schemas.microsoft.com/office/powerpoint/2010/main" val="3763517223"/>
       </p:ext>
     </p:extLst>
   </p:cSld>

--- a/presentation.pptx
+++ b/presentation.pptx
@@ -4,6 +4,9 @@
   <p:sldMasterIdLst>
     <p:sldMasterId id="2147483921" r:id="rId1"/>
   </p:sldMasterIdLst>
+  <p:notesMasterIdLst>
+    <p:notesMasterId r:id="rId13"/>
+  </p:notesMasterIdLst>
   <p:sldIdLst>
     <p:sldId id="256" r:id="rId2"/>
     <p:sldId id="257" r:id="rId3"/>
@@ -125,7 +128,7 @@
 <file path=ppt/revisionInfo.xml><?xml version="1.0" encoding="utf-8"?>
 <p1510:revInfo xmlns:a="http://schemas.openxmlformats.org/drawingml/2006/main" xmlns:r="http://schemas.openxmlformats.org/officeDocument/2006/relationships" xmlns:p1510="http://schemas.microsoft.com/office/powerpoint/2015/10/main">
   <p1510:revLst>
-    <p1510:client id="{5FB6D85F-387C-4971-94F8-FF9EAA426351}" v="62" dt="2023-06-06T18:28:54.198"/>
+    <p1510:client id="{5FB6D85F-387C-4971-94F8-FF9EAA426351}" v="86" dt="2023-06-10T08:13:33.541"/>
   </p1510:revLst>
 </p1510:revInfo>
 </file>
@@ -135,7 +138,7 @@
   <pc:docChgLst>
     <pc:chgData name="ely katz" userId="bd26b9949e3df842" providerId="LiveId" clId="{5FB6D85F-387C-4971-94F8-FF9EAA426351}"/>
     <pc:docChg chg="undo redo custSel addSld modSld sldOrd">
-      <pc:chgData name="ely katz" userId="bd26b9949e3df842" providerId="LiveId" clId="{5FB6D85F-387C-4971-94F8-FF9EAA426351}" dt="2023-06-06T18:28:40.063" v="2591" actId="20577"/>
+      <pc:chgData name="ely katz" userId="bd26b9949e3df842" providerId="LiveId" clId="{5FB6D85F-387C-4971-94F8-FF9EAA426351}" dt="2023-06-10T08:13:33.541" v="3001"/>
       <pc:docMkLst>
         <pc:docMk/>
       </pc:docMkLst>
@@ -973,8 +976,8 @@
           </ac:picMkLst>
         </pc:picChg>
       </pc:sldChg>
-      <pc:sldChg chg="addSp delSp modSp new mod">
-        <pc:chgData name="ely katz" userId="bd26b9949e3df842" providerId="LiveId" clId="{5FB6D85F-387C-4971-94F8-FF9EAA426351}" dt="2023-06-06T18:08:41.310" v="2007" actId="1076"/>
+      <pc:sldChg chg="addSp delSp modSp new mod modAnim">
+        <pc:chgData name="ely katz" userId="bd26b9949e3df842" providerId="LiveId" clId="{5FB6D85F-387C-4971-94F8-FF9EAA426351}" dt="2023-06-10T08:09:01.329" v="2981"/>
         <pc:sldMkLst>
           <pc:docMk/>
           <pc:sldMk cId="1634322593" sldId="262"/>
@@ -1068,8 +1071,8 @@
           </ac:inkMkLst>
         </pc:inkChg>
       </pc:sldChg>
-      <pc:sldChg chg="addSp delSp modSp new mod">
-        <pc:chgData name="ely katz" userId="bd26b9949e3df842" providerId="LiveId" clId="{5FB6D85F-387C-4971-94F8-FF9EAA426351}" dt="2023-06-06T18:28:40.063" v="2591" actId="20577"/>
+      <pc:sldChg chg="addSp delSp modSp new mod modAnim">
+        <pc:chgData name="ely katz" userId="bd26b9949e3df842" providerId="LiveId" clId="{5FB6D85F-387C-4971-94F8-FF9EAA426351}" dt="2023-06-10T08:13:33.541" v="3001"/>
         <pc:sldMkLst>
           <pc:docMk/>
           <pc:sldMk cId="1872726461" sldId="263"/>
@@ -1099,7 +1102,7 @@
           </ac:spMkLst>
         </pc:spChg>
         <pc:spChg chg="add mod ord">
-          <ac:chgData name="ely katz" userId="bd26b9949e3df842" providerId="LiveId" clId="{5FB6D85F-387C-4971-94F8-FF9EAA426351}" dt="2023-06-06T18:12:08.792" v="2044" actId="1035"/>
+          <ac:chgData name="ely katz" userId="bd26b9949e3df842" providerId="LiveId" clId="{5FB6D85F-387C-4971-94F8-FF9EAA426351}" dt="2023-06-10T08:11:00.744" v="2986" actId="1076"/>
           <ac:spMkLst>
             <pc:docMk/>
             <pc:sldMk cId="1872726461" sldId="263"/>
@@ -1243,6 +1246,29 @@
           </ac:picMkLst>
         </pc:picChg>
       </pc:sldChg>
+      <pc:sldChg chg="modSp mod modNotesTx">
+        <pc:chgData name="ely katz" userId="bd26b9949e3df842" providerId="LiveId" clId="{5FB6D85F-387C-4971-94F8-FF9EAA426351}" dt="2023-06-10T07:45:26.326" v="2975" actId="20577"/>
+        <pc:sldMkLst>
+          <pc:docMk/>
+          <pc:sldMk cId="3763517223" sldId="264"/>
+        </pc:sldMkLst>
+        <pc:spChg chg="mod">
+          <ac:chgData name="ely katz" userId="bd26b9949e3df842" providerId="LiveId" clId="{5FB6D85F-387C-4971-94F8-FF9EAA426351}" dt="2023-06-10T07:44:23.905" v="2913" actId="21"/>
+          <ac:spMkLst>
+            <pc:docMk/>
+            <pc:sldMk cId="3763517223" sldId="264"/>
+            <ac:spMk id="3" creationId="{69E72E67-A284-21F4-9092-161C789C7470}"/>
+          </ac:spMkLst>
+        </pc:spChg>
+        <pc:picChg chg="mod">
+          <ac:chgData name="ely katz" userId="bd26b9949e3df842" providerId="LiveId" clId="{5FB6D85F-387C-4971-94F8-FF9EAA426351}" dt="2023-06-10T07:41:30.172" v="2779" actId="1076"/>
+          <ac:picMkLst>
+            <pc:docMk/>
+            <pc:sldMk cId="3763517223" sldId="264"/>
+            <ac:picMk id="9" creationId="{602E0527-C182-AFE9-8E64-BE1DCF664DF3}"/>
+          </ac:picMkLst>
+        </pc:picChg>
+      </pc:sldChg>
     </pc:docChg>
   </pc:docChgLst>
 </pc:chgInfo>
@@ -1335,6 +1361,681 @@
 </inkml:ink>
 </file>
 
+<file path=ppt/notesMasters/notesMaster1.xml><?xml version="1.0" encoding="utf-8"?>
+<p:notesMaster xmlns:a="http://schemas.openxmlformats.org/drawingml/2006/main" xmlns:r="http://schemas.openxmlformats.org/officeDocument/2006/relationships" xmlns:p="http://schemas.openxmlformats.org/presentationml/2006/main">
+  <p:cSld>
+    <p:bg>
+      <p:bgRef idx="1001">
+        <a:schemeClr val="bg1"/>
+      </p:bgRef>
+    </p:bg>
+    <p:spTree>
+      <p:nvGrpSpPr>
+        <p:cNvPr id="1" name=""/>
+        <p:cNvGrpSpPr/>
+        <p:nvPr/>
+      </p:nvGrpSpPr>
+      <p:grpSpPr>
+        <a:xfrm>
+          <a:off x="0" y="0"/>
+          <a:ext cx="0" cy="0"/>
+          <a:chOff x="0" y="0"/>
+          <a:chExt cx="0" cy="0"/>
+        </a:xfrm>
+      </p:grpSpPr>
+      <p:sp>
+        <p:nvSpPr>
+          <p:cNvPr id="2" name="Header Placeholder 1"/>
+          <p:cNvSpPr>
+            <a:spLocks noGrp="1"/>
+          </p:cNvSpPr>
+          <p:nvPr>
+            <p:ph type="hdr" sz="quarter"/>
+          </p:nvPr>
+        </p:nvSpPr>
+        <p:spPr>
+          <a:xfrm>
+            <a:off x="0" y="0"/>
+            <a:ext cx="2971800" cy="458788"/>
+          </a:xfrm>
+          <a:prstGeom prst="rect">
+            <a:avLst/>
+          </a:prstGeom>
+        </p:spPr>
+        <p:txBody>
+          <a:bodyPr vert="horz" lIns="91440" tIns="45720" rIns="91440" bIns="45720" rtlCol="0"/>
+          <a:lstStyle>
+            <a:lvl1pPr algn="l">
+              <a:defRPr sz="1200"/>
+            </a:lvl1pPr>
+          </a:lstStyle>
+          <a:p>
+            <a:endParaRPr lang="en-IL"/>
+          </a:p>
+        </p:txBody>
+      </p:sp>
+      <p:sp>
+        <p:nvSpPr>
+          <p:cNvPr id="3" name="Date Placeholder 2"/>
+          <p:cNvSpPr>
+            <a:spLocks noGrp="1"/>
+          </p:cNvSpPr>
+          <p:nvPr>
+            <p:ph type="dt" idx="1"/>
+          </p:nvPr>
+        </p:nvSpPr>
+        <p:spPr>
+          <a:xfrm>
+            <a:off x="3884613" y="0"/>
+            <a:ext cx="2971800" cy="458788"/>
+          </a:xfrm>
+          <a:prstGeom prst="rect">
+            <a:avLst/>
+          </a:prstGeom>
+        </p:spPr>
+        <p:txBody>
+          <a:bodyPr vert="horz" lIns="91440" tIns="45720" rIns="91440" bIns="45720" rtlCol="0"/>
+          <a:lstStyle>
+            <a:lvl1pPr algn="r">
+              <a:defRPr sz="1200"/>
+            </a:lvl1pPr>
+          </a:lstStyle>
+          <a:p>
+            <a:fld id="{1C7B009D-A6E5-414E-BB91-A276F1AC16EF}" type="datetimeFigureOut">
+              <a:rPr lang="en-IL" smtClean="0"/>
+              <a:t>10/06/2023</a:t>
+            </a:fld>
+            <a:endParaRPr lang="en-IL"/>
+          </a:p>
+        </p:txBody>
+      </p:sp>
+      <p:sp>
+        <p:nvSpPr>
+          <p:cNvPr id="4" name="Slide Image Placeholder 3"/>
+          <p:cNvSpPr>
+            <a:spLocks noGrp="1" noRot="1" noChangeAspect="1"/>
+          </p:cNvSpPr>
+          <p:nvPr>
+            <p:ph type="sldImg" idx="2"/>
+          </p:nvPr>
+        </p:nvSpPr>
+        <p:spPr>
+          <a:xfrm>
+            <a:off x="685800" y="1143000"/>
+            <a:ext cx="5486400" cy="3086100"/>
+          </a:xfrm>
+          <a:prstGeom prst="rect">
+            <a:avLst/>
+          </a:prstGeom>
+          <a:noFill/>
+          <a:ln w="12700">
+            <a:solidFill>
+              <a:prstClr val="black"/>
+            </a:solidFill>
+          </a:ln>
+        </p:spPr>
+        <p:txBody>
+          <a:bodyPr vert="horz" lIns="91440" tIns="45720" rIns="91440" bIns="45720" rtlCol="0" anchor="ctr"/>
+          <a:lstStyle/>
+          <a:p>
+            <a:endParaRPr lang="en-IL"/>
+          </a:p>
+        </p:txBody>
+      </p:sp>
+      <p:sp>
+        <p:nvSpPr>
+          <p:cNvPr id="5" name="Notes Placeholder 4"/>
+          <p:cNvSpPr>
+            <a:spLocks noGrp="1"/>
+          </p:cNvSpPr>
+          <p:nvPr>
+            <p:ph type="body" sz="quarter" idx="3"/>
+          </p:nvPr>
+        </p:nvSpPr>
+        <p:spPr>
+          <a:xfrm>
+            <a:off x="685800" y="4400550"/>
+            <a:ext cx="5486400" cy="3600450"/>
+          </a:xfrm>
+          <a:prstGeom prst="rect">
+            <a:avLst/>
+          </a:prstGeom>
+        </p:spPr>
+        <p:txBody>
+          <a:bodyPr vert="horz" lIns="91440" tIns="45720" rIns="91440" bIns="45720" rtlCol="0"/>
+          <a:lstStyle/>
+          <a:p>
+            <a:pPr lvl="0"/>
+            <a:r>
+              <a:rPr lang="en-US"/>
+              <a:t>Click to edit Master text styles</a:t>
+            </a:r>
+          </a:p>
+          <a:p>
+            <a:pPr lvl="1"/>
+            <a:r>
+              <a:rPr lang="en-US"/>
+              <a:t>Second level</a:t>
+            </a:r>
+          </a:p>
+          <a:p>
+            <a:pPr lvl="2"/>
+            <a:r>
+              <a:rPr lang="en-US"/>
+              <a:t>Third level</a:t>
+            </a:r>
+          </a:p>
+          <a:p>
+            <a:pPr lvl="3"/>
+            <a:r>
+              <a:rPr lang="en-US"/>
+              <a:t>Fourth level</a:t>
+            </a:r>
+          </a:p>
+          <a:p>
+            <a:pPr lvl="4"/>
+            <a:r>
+              <a:rPr lang="en-US"/>
+              <a:t>Fifth level</a:t>
+            </a:r>
+            <a:endParaRPr lang="en-IL"/>
+          </a:p>
+        </p:txBody>
+      </p:sp>
+      <p:sp>
+        <p:nvSpPr>
+          <p:cNvPr id="6" name="Footer Placeholder 5"/>
+          <p:cNvSpPr>
+            <a:spLocks noGrp="1"/>
+          </p:cNvSpPr>
+          <p:nvPr>
+            <p:ph type="ftr" sz="quarter" idx="4"/>
+          </p:nvPr>
+        </p:nvSpPr>
+        <p:spPr>
+          <a:xfrm>
+            <a:off x="0" y="8685213"/>
+            <a:ext cx="2971800" cy="458787"/>
+          </a:xfrm>
+          <a:prstGeom prst="rect">
+            <a:avLst/>
+          </a:prstGeom>
+        </p:spPr>
+        <p:txBody>
+          <a:bodyPr vert="horz" lIns="91440" tIns="45720" rIns="91440" bIns="45720" rtlCol="0" anchor="b"/>
+          <a:lstStyle>
+            <a:lvl1pPr algn="l">
+              <a:defRPr sz="1200"/>
+            </a:lvl1pPr>
+          </a:lstStyle>
+          <a:p>
+            <a:endParaRPr lang="en-IL"/>
+          </a:p>
+        </p:txBody>
+      </p:sp>
+      <p:sp>
+        <p:nvSpPr>
+          <p:cNvPr id="7" name="Slide Number Placeholder 6"/>
+          <p:cNvSpPr>
+            <a:spLocks noGrp="1"/>
+          </p:cNvSpPr>
+          <p:nvPr>
+            <p:ph type="sldNum" sz="quarter" idx="5"/>
+          </p:nvPr>
+        </p:nvSpPr>
+        <p:spPr>
+          <a:xfrm>
+            <a:off x="3884613" y="8685213"/>
+            <a:ext cx="2971800" cy="458787"/>
+          </a:xfrm>
+          <a:prstGeom prst="rect">
+            <a:avLst/>
+          </a:prstGeom>
+        </p:spPr>
+        <p:txBody>
+          <a:bodyPr vert="horz" lIns="91440" tIns="45720" rIns="91440" bIns="45720" rtlCol="0" anchor="b"/>
+          <a:lstStyle>
+            <a:lvl1pPr algn="r">
+              <a:defRPr sz="1200"/>
+            </a:lvl1pPr>
+          </a:lstStyle>
+          <a:p>
+            <a:fld id="{54E6A40D-7614-4751-B99C-A1E34C036CB7}" type="slidenum">
+              <a:rPr lang="en-IL" smtClean="0"/>
+              <a:t>‹#›</a:t>
+            </a:fld>
+            <a:endParaRPr lang="en-IL"/>
+          </a:p>
+        </p:txBody>
+      </p:sp>
+    </p:spTree>
+    <p:extLst>
+      <p:ext uri="{BB962C8B-B14F-4D97-AF65-F5344CB8AC3E}">
+        <p14:creationId xmlns:p14="http://schemas.microsoft.com/office/powerpoint/2010/main" val="2864688759"/>
+      </p:ext>
+    </p:extLst>
+  </p:cSld>
+  <p:clrMap bg1="lt1" tx1="dk1" bg2="lt2" tx2="dk2" accent1="accent1" accent2="accent2" accent3="accent3" accent4="accent4" accent5="accent5" accent6="accent6" hlink="hlink" folHlink="folHlink"/>
+  <p:notesStyle>
+    <a:lvl1pPr marL="0" algn="l" defTabSz="914400" rtl="0" eaLnBrk="1" latinLnBrk="0" hangingPunct="1">
+      <a:defRPr sz="1200" kern="1200">
+        <a:solidFill>
+          <a:schemeClr val="tx1"/>
+        </a:solidFill>
+        <a:latin typeface="+mn-lt"/>
+        <a:ea typeface="+mn-ea"/>
+        <a:cs typeface="+mn-cs"/>
+      </a:defRPr>
+    </a:lvl1pPr>
+    <a:lvl2pPr marL="457200" algn="l" defTabSz="914400" rtl="0" eaLnBrk="1" latinLnBrk="0" hangingPunct="1">
+      <a:defRPr sz="1200" kern="1200">
+        <a:solidFill>
+          <a:schemeClr val="tx1"/>
+        </a:solidFill>
+        <a:latin typeface="+mn-lt"/>
+        <a:ea typeface="+mn-ea"/>
+        <a:cs typeface="+mn-cs"/>
+      </a:defRPr>
+    </a:lvl2pPr>
+    <a:lvl3pPr marL="914400" algn="l" defTabSz="914400" rtl="0" eaLnBrk="1" latinLnBrk="0" hangingPunct="1">
+      <a:defRPr sz="1200" kern="1200">
+        <a:solidFill>
+          <a:schemeClr val="tx1"/>
+        </a:solidFill>
+        <a:latin typeface="+mn-lt"/>
+        <a:ea typeface="+mn-ea"/>
+        <a:cs typeface="+mn-cs"/>
+      </a:defRPr>
+    </a:lvl3pPr>
+    <a:lvl4pPr marL="1371600" algn="l" defTabSz="914400" rtl="0" eaLnBrk="1" latinLnBrk="0" hangingPunct="1">
+      <a:defRPr sz="1200" kern="1200">
+        <a:solidFill>
+          <a:schemeClr val="tx1"/>
+        </a:solidFill>
+        <a:latin typeface="+mn-lt"/>
+        <a:ea typeface="+mn-ea"/>
+        <a:cs typeface="+mn-cs"/>
+      </a:defRPr>
+    </a:lvl4pPr>
+    <a:lvl5pPr marL="1828800" algn="l" defTabSz="914400" rtl="0" eaLnBrk="1" latinLnBrk="0" hangingPunct="1">
+      <a:defRPr sz="1200" kern="1200">
+        <a:solidFill>
+          <a:schemeClr val="tx1"/>
+        </a:solidFill>
+        <a:latin typeface="+mn-lt"/>
+        <a:ea typeface="+mn-ea"/>
+        <a:cs typeface="+mn-cs"/>
+      </a:defRPr>
+    </a:lvl5pPr>
+    <a:lvl6pPr marL="2286000" algn="l" defTabSz="914400" rtl="0" eaLnBrk="1" latinLnBrk="0" hangingPunct="1">
+      <a:defRPr sz="1200" kern="1200">
+        <a:solidFill>
+          <a:schemeClr val="tx1"/>
+        </a:solidFill>
+        <a:latin typeface="+mn-lt"/>
+        <a:ea typeface="+mn-ea"/>
+        <a:cs typeface="+mn-cs"/>
+      </a:defRPr>
+    </a:lvl6pPr>
+    <a:lvl7pPr marL="2743200" algn="l" defTabSz="914400" rtl="0" eaLnBrk="1" latinLnBrk="0" hangingPunct="1">
+      <a:defRPr sz="1200" kern="1200">
+        <a:solidFill>
+          <a:schemeClr val="tx1"/>
+        </a:solidFill>
+        <a:latin typeface="+mn-lt"/>
+        <a:ea typeface="+mn-ea"/>
+        <a:cs typeface="+mn-cs"/>
+      </a:defRPr>
+    </a:lvl7pPr>
+    <a:lvl8pPr marL="3200400" algn="l" defTabSz="914400" rtl="0" eaLnBrk="1" latinLnBrk="0" hangingPunct="1">
+      <a:defRPr sz="1200" kern="1200">
+        <a:solidFill>
+          <a:schemeClr val="tx1"/>
+        </a:solidFill>
+        <a:latin typeface="+mn-lt"/>
+        <a:ea typeface="+mn-ea"/>
+        <a:cs typeface="+mn-cs"/>
+      </a:defRPr>
+    </a:lvl8pPr>
+    <a:lvl9pPr marL="3657600" algn="l" defTabSz="914400" rtl="0" eaLnBrk="1" latinLnBrk="0" hangingPunct="1">
+      <a:defRPr sz="1200" kern="1200">
+        <a:solidFill>
+          <a:schemeClr val="tx1"/>
+        </a:solidFill>
+        <a:latin typeface="+mn-lt"/>
+        <a:ea typeface="+mn-ea"/>
+        <a:cs typeface="+mn-cs"/>
+      </a:defRPr>
+    </a:lvl9pPr>
+  </p:notesStyle>
+</p:notesMaster>
+</file>
+
+<file path=ppt/notesSlides/notesSlide1.xml><?xml version="1.0" encoding="utf-8"?>
+<p:notes xmlns:a="http://schemas.openxmlformats.org/drawingml/2006/main" xmlns:r="http://schemas.openxmlformats.org/officeDocument/2006/relationships" xmlns:p="http://schemas.openxmlformats.org/presentationml/2006/main">
+  <p:cSld>
+    <p:spTree>
+      <p:nvGrpSpPr>
+        <p:cNvPr id="1" name=""/>
+        <p:cNvGrpSpPr/>
+        <p:nvPr/>
+      </p:nvGrpSpPr>
+      <p:grpSpPr>
+        <a:xfrm>
+          <a:off x="0" y="0"/>
+          <a:ext cx="0" cy="0"/>
+          <a:chOff x="0" y="0"/>
+          <a:chExt cx="0" cy="0"/>
+        </a:xfrm>
+      </p:grpSpPr>
+      <p:sp>
+        <p:nvSpPr>
+          <p:cNvPr id="2" name="Slide Image Placeholder 1"/>
+          <p:cNvSpPr>
+            <a:spLocks noGrp="1" noRot="1" noChangeAspect="1"/>
+          </p:cNvSpPr>
+          <p:nvPr>
+            <p:ph type="sldImg"/>
+          </p:nvPr>
+        </p:nvSpPr>
+        <p:spPr/>
+      </p:sp>
+      <p:sp>
+        <p:nvSpPr>
+          <p:cNvPr id="3" name="Notes Placeholder 2"/>
+          <p:cNvSpPr>
+            <a:spLocks noGrp="1"/>
+          </p:cNvSpPr>
+          <p:nvPr>
+            <p:ph type="body" idx="1"/>
+          </p:nvPr>
+        </p:nvSpPr>
+        <p:spPr/>
+        <p:txBody>
+          <a:bodyPr/>
+          <a:lstStyle/>
+          <a:p>
+            <a:endParaRPr lang="en-IL" dirty="0"/>
+          </a:p>
+        </p:txBody>
+      </p:sp>
+      <p:sp>
+        <p:nvSpPr>
+          <p:cNvPr id="4" name="Slide Number Placeholder 3"/>
+          <p:cNvSpPr>
+            <a:spLocks noGrp="1"/>
+          </p:cNvSpPr>
+          <p:nvPr>
+            <p:ph type="sldNum" sz="quarter" idx="5"/>
+          </p:nvPr>
+        </p:nvSpPr>
+        <p:spPr/>
+        <p:txBody>
+          <a:bodyPr/>
+          <a:lstStyle/>
+          <a:p>
+            <a:fld id="{54E6A40D-7614-4751-B99C-A1E34C036CB7}" type="slidenum">
+              <a:rPr lang="en-IL" smtClean="0"/>
+              <a:t>2</a:t>
+            </a:fld>
+            <a:endParaRPr lang="en-IL"/>
+          </a:p>
+        </p:txBody>
+      </p:sp>
+    </p:spTree>
+    <p:extLst>
+      <p:ext uri="{BB962C8B-B14F-4D97-AF65-F5344CB8AC3E}">
+        <p14:creationId xmlns:p14="http://schemas.microsoft.com/office/powerpoint/2010/main" val="4177874332"/>
+      </p:ext>
+    </p:extLst>
+  </p:cSld>
+  <p:clrMapOvr>
+    <a:masterClrMapping/>
+  </p:clrMapOvr>
+</p:notes>
+</file>
+
+<file path=ppt/notesSlides/notesSlide2.xml><?xml version="1.0" encoding="utf-8"?>
+<p:notes xmlns:a="http://schemas.openxmlformats.org/drawingml/2006/main" xmlns:r="http://schemas.openxmlformats.org/officeDocument/2006/relationships" xmlns:p="http://schemas.openxmlformats.org/presentationml/2006/main">
+  <p:cSld>
+    <p:spTree>
+      <p:nvGrpSpPr>
+        <p:cNvPr id="1" name=""/>
+        <p:cNvGrpSpPr/>
+        <p:nvPr/>
+      </p:nvGrpSpPr>
+      <p:grpSpPr>
+        <a:xfrm>
+          <a:off x="0" y="0"/>
+          <a:ext cx="0" cy="0"/>
+          <a:chOff x="0" y="0"/>
+          <a:chExt cx="0" cy="0"/>
+        </a:xfrm>
+      </p:grpSpPr>
+      <p:sp>
+        <p:nvSpPr>
+          <p:cNvPr id="2" name="Slide Image Placeholder 1"/>
+          <p:cNvSpPr>
+            <a:spLocks noGrp="1" noRot="1" noChangeAspect="1"/>
+          </p:cNvSpPr>
+          <p:nvPr>
+            <p:ph type="sldImg"/>
+          </p:nvPr>
+        </p:nvSpPr>
+        <p:spPr/>
+      </p:sp>
+      <p:sp>
+        <p:nvSpPr>
+          <p:cNvPr id="3" name="Notes Placeholder 2"/>
+          <p:cNvSpPr>
+            <a:spLocks noGrp="1"/>
+          </p:cNvSpPr>
+          <p:nvPr>
+            <p:ph type="body" idx="1"/>
+          </p:nvPr>
+        </p:nvSpPr>
+        <p:spPr/>
+        <p:txBody>
+          <a:bodyPr/>
+          <a:lstStyle/>
+          <a:p>
+            <a:endParaRPr lang="en-IL" dirty="0"/>
+          </a:p>
+        </p:txBody>
+      </p:sp>
+      <p:sp>
+        <p:nvSpPr>
+          <p:cNvPr id="4" name="Slide Number Placeholder 3"/>
+          <p:cNvSpPr>
+            <a:spLocks noGrp="1"/>
+          </p:cNvSpPr>
+          <p:nvPr>
+            <p:ph type="sldNum" sz="quarter" idx="5"/>
+          </p:nvPr>
+        </p:nvSpPr>
+        <p:spPr/>
+        <p:txBody>
+          <a:bodyPr/>
+          <a:lstStyle/>
+          <a:p>
+            <a:fld id="{54E6A40D-7614-4751-B99C-A1E34C036CB7}" type="slidenum">
+              <a:rPr lang="en-IL" smtClean="0"/>
+              <a:t>7</a:t>
+            </a:fld>
+            <a:endParaRPr lang="en-IL"/>
+          </a:p>
+        </p:txBody>
+      </p:sp>
+    </p:spTree>
+    <p:extLst>
+      <p:ext uri="{BB962C8B-B14F-4D97-AF65-F5344CB8AC3E}">
+        <p14:creationId xmlns:p14="http://schemas.microsoft.com/office/powerpoint/2010/main" val="3102065013"/>
+      </p:ext>
+    </p:extLst>
+  </p:cSld>
+  <p:clrMapOvr>
+    <a:masterClrMapping/>
+  </p:clrMapOvr>
+</p:notes>
+</file>
+
+<file path=ppt/notesSlides/notesSlide3.xml><?xml version="1.0" encoding="utf-8"?>
+<p:notes xmlns:a="http://schemas.openxmlformats.org/drawingml/2006/main" xmlns:r="http://schemas.openxmlformats.org/officeDocument/2006/relationships" xmlns:p="http://schemas.openxmlformats.org/presentationml/2006/main">
+  <p:cSld>
+    <p:spTree>
+      <p:nvGrpSpPr>
+        <p:cNvPr id="1" name=""/>
+        <p:cNvGrpSpPr/>
+        <p:nvPr/>
+      </p:nvGrpSpPr>
+      <p:grpSpPr>
+        <a:xfrm>
+          <a:off x="0" y="0"/>
+          <a:ext cx="0" cy="0"/>
+          <a:chOff x="0" y="0"/>
+          <a:chExt cx="0" cy="0"/>
+        </a:xfrm>
+      </p:grpSpPr>
+      <p:sp>
+        <p:nvSpPr>
+          <p:cNvPr id="2" name="Slide Image Placeholder 1"/>
+          <p:cNvSpPr>
+            <a:spLocks noGrp="1" noRot="1" noChangeAspect="1"/>
+          </p:cNvSpPr>
+          <p:nvPr>
+            <p:ph type="sldImg"/>
+          </p:nvPr>
+        </p:nvSpPr>
+        <p:spPr/>
+      </p:sp>
+      <p:sp>
+        <p:nvSpPr>
+          <p:cNvPr id="3" name="Notes Placeholder 2"/>
+          <p:cNvSpPr>
+            <a:spLocks noGrp="1"/>
+          </p:cNvSpPr>
+          <p:nvPr>
+            <p:ph type="body" idx="1"/>
+          </p:nvPr>
+        </p:nvSpPr>
+        <p:spPr/>
+        <p:txBody>
+          <a:bodyPr/>
+          <a:lstStyle/>
+          <a:p>
+            <a:pPr marL="0" marR="0" lvl="0" indent="0" algn="l" defTabSz="914400" rtl="0" eaLnBrk="1" fontAlgn="auto" latinLnBrk="0" hangingPunct="1">
+              <a:lnSpc>
+                <a:spcPct val="100000"/>
+              </a:lnSpc>
+              <a:spcBef>
+                <a:spcPts val="0"/>
+              </a:spcBef>
+              <a:spcAft>
+                <a:spcPts val="0"/>
+              </a:spcAft>
+              <a:buClrTx/>
+              <a:buSzTx/>
+              <a:buFontTx/>
+              <a:buNone/>
+              <a:tabLst/>
+              <a:defRPr/>
+            </a:pPr>
+            <a:r>
+              <a:rPr lang="en-US" dirty="0"/>
+              <a:t>- Binary classification (aggressive or not).</a:t>
+            </a:r>
+          </a:p>
+          <a:p>
+            <a:pPr marL="0" marR="0" lvl="0" indent="0" algn="l" defTabSz="914400" rtl="0" eaLnBrk="1" fontAlgn="auto" latinLnBrk="0" hangingPunct="1">
+              <a:lnSpc>
+                <a:spcPct val="100000"/>
+              </a:lnSpc>
+              <a:spcBef>
+                <a:spcPts val="0"/>
+              </a:spcBef>
+              <a:spcAft>
+                <a:spcPts val="0"/>
+              </a:spcAft>
+              <a:buClrTx/>
+              <a:buSzTx/>
+              <a:buFontTx/>
+              <a:buNone/>
+              <a:tabLst/>
+              <a:defRPr/>
+            </a:pPr>
+            <a:endParaRPr lang="en-US" dirty="0"/>
+          </a:p>
+          <a:p>
+            <a:pPr marL="0" marR="0" lvl="0" indent="0" algn="l" defTabSz="914400" rtl="0" eaLnBrk="1" fontAlgn="auto" latinLnBrk="0" hangingPunct="1">
+              <a:lnSpc>
+                <a:spcPct val="100000"/>
+              </a:lnSpc>
+              <a:spcBef>
+                <a:spcPts val="0"/>
+              </a:spcBef>
+              <a:spcAft>
+                <a:spcPts val="0"/>
+              </a:spcAft>
+              <a:buClrTx/>
+              <a:buSzTx/>
+              <a:buFontTx/>
+              <a:buNone/>
+              <a:tabLst/>
+              <a:defRPr/>
+            </a:pPr>
+            <a:r>
+              <a:rPr lang="en-US" dirty="0"/>
+              <a:t>- Fine-tune perform better (75% accuracy).</a:t>
+            </a:r>
+          </a:p>
+          <a:p>
+            <a:endParaRPr lang="en-US" dirty="0"/>
+          </a:p>
+          <a:p>
+            <a:r>
+              <a:rPr lang="en-US" dirty="0"/>
+              <a:t>- For each protocol, split into sentences, for each sentence predict if aggressive, the ratio of aggressive sentence is the score.</a:t>
+            </a:r>
+            <a:endParaRPr lang="en-IL" dirty="0"/>
+          </a:p>
+        </p:txBody>
+      </p:sp>
+      <p:sp>
+        <p:nvSpPr>
+          <p:cNvPr id="4" name="Slide Number Placeholder 3"/>
+          <p:cNvSpPr>
+            <a:spLocks noGrp="1"/>
+          </p:cNvSpPr>
+          <p:nvPr>
+            <p:ph type="sldNum" sz="quarter" idx="5"/>
+          </p:nvPr>
+        </p:nvSpPr>
+        <p:spPr/>
+        <p:txBody>
+          <a:bodyPr/>
+          <a:lstStyle/>
+          <a:p>
+            <a:fld id="{54E6A40D-7614-4751-B99C-A1E34C036CB7}" type="slidenum">
+              <a:rPr lang="en-IL" smtClean="0"/>
+              <a:t>9</a:t>
+            </a:fld>
+            <a:endParaRPr lang="en-IL"/>
+          </a:p>
+        </p:txBody>
+      </p:sp>
+    </p:spTree>
+    <p:extLst>
+      <p:ext uri="{BB962C8B-B14F-4D97-AF65-F5344CB8AC3E}">
+        <p14:creationId xmlns:p14="http://schemas.microsoft.com/office/powerpoint/2010/main" val="1904534373"/>
+      </p:ext>
+    </p:extLst>
+  </p:cSld>
+  <p:clrMapOvr>
+    <a:masterClrMapping/>
+  </p:clrMapOvr>
+</p:notes>
+</file>
+
 <file path=ppt/slideLayouts/slideLayout1.xml><?xml version="1.0" encoding="utf-8"?>
 <p:sldLayout xmlns:a="http://schemas.openxmlformats.org/drawingml/2006/main" xmlns:r="http://schemas.openxmlformats.org/officeDocument/2006/relationships" xmlns:p="http://schemas.openxmlformats.org/presentationml/2006/main" type="title" preserve="1">
   <p:cSld name="Title Slide">
@@ -1609,7 +2310,7 @@
           <a:p>
             <a:fld id="{507718B8-419B-44F1-A15C-DCE6E89441DE}" type="datetimeFigureOut">
               <a:rPr lang="he-IL" smtClean="0"/>
-              <a:t>י"ח/סיון/תשפ"ג</a:t>
+              <a:t>כ"א/סיון/תשפ"ג</a:t>
             </a:fld>
             <a:endParaRPr lang="he-IL"/>
           </a:p>
@@ -2023,7 +2724,7 @@
           <a:p>
             <a:fld id="{507718B8-419B-44F1-A15C-DCE6E89441DE}" type="datetimeFigureOut">
               <a:rPr lang="he-IL" smtClean="0"/>
-              <a:t>י"ח/סיון/תשפ"ג</a:t>
+              <a:t>כ"א/סיון/תשפ"ג</a:t>
             </a:fld>
             <a:endParaRPr lang="he-IL"/>
           </a:p>
@@ -2359,7 +3060,7 @@
           <a:p>
             <a:fld id="{507718B8-419B-44F1-A15C-DCE6E89441DE}" type="datetimeFigureOut">
               <a:rPr lang="he-IL" smtClean="0"/>
-              <a:t>י"ח/סיון/תשפ"ג</a:t>
+              <a:t>כ"א/סיון/תשפ"ג</a:t>
             </a:fld>
             <a:endParaRPr lang="he-IL"/>
           </a:p>
@@ -2764,7 +3465,7 @@
           <a:p>
             <a:fld id="{507718B8-419B-44F1-A15C-DCE6E89441DE}" type="datetimeFigureOut">
               <a:rPr lang="he-IL" smtClean="0"/>
-              <a:t>י"ח/סיון/תשפ"ג</a:t>
+              <a:t>כ"א/סיון/תשפ"ג</a:t>
             </a:fld>
             <a:endParaRPr lang="he-IL"/>
           </a:p>
@@ -3332,7 +4033,7 @@
           <a:p>
             <a:fld id="{507718B8-419B-44F1-A15C-DCE6E89441DE}" type="datetimeFigureOut">
               <a:rPr lang="he-IL" smtClean="0"/>
-              <a:t>י"ח/סיון/תשפ"ג</a:t>
+              <a:t>כ"א/סיון/תשפ"ג</a:t>
             </a:fld>
             <a:endParaRPr lang="he-IL"/>
           </a:p>
@@ -4013,7 +4714,7 @@
           <a:p>
             <a:fld id="{507718B8-419B-44F1-A15C-DCE6E89441DE}" type="datetimeFigureOut">
               <a:rPr lang="he-IL" smtClean="0"/>
-              <a:t>י"ח/סיון/תשפ"ג</a:t>
+              <a:t>כ"א/סיון/תשפ"ג</a:t>
             </a:fld>
             <a:endParaRPr lang="he-IL"/>
           </a:p>
@@ -4926,7 +5627,7 @@
           <a:p>
             <a:fld id="{507718B8-419B-44F1-A15C-DCE6E89441DE}" type="datetimeFigureOut">
               <a:rPr lang="he-IL" smtClean="0"/>
-              <a:t>י"ח/סיון/תשפ"ג</a:t>
+              <a:t>כ"א/סיון/תשפ"ג</a:t>
             </a:fld>
             <a:endParaRPr lang="he-IL"/>
           </a:p>
@@ -5239,7 +5940,7 @@
           <a:p>
             <a:fld id="{507718B8-419B-44F1-A15C-DCE6E89441DE}" type="datetimeFigureOut">
               <a:rPr lang="he-IL" smtClean="0"/>
-              <a:t>י"ח/סיון/תשפ"ג</a:t>
+              <a:t>כ"א/סיון/תשפ"ג</a:t>
             </a:fld>
             <a:endParaRPr lang="he-IL"/>
           </a:p>
@@ -5503,7 +6204,7 @@
           <a:p>
             <a:fld id="{507718B8-419B-44F1-A15C-DCE6E89441DE}" type="datetimeFigureOut">
               <a:rPr lang="he-IL" smtClean="0"/>
-              <a:t>י"ח/סיון/תשפ"ג</a:t>
+              <a:t>כ"א/סיון/תשפ"ג</a:t>
             </a:fld>
             <a:endParaRPr lang="he-IL"/>
           </a:p>
@@ -5826,7 +6527,7 @@
           <a:p>
             <a:fld id="{507718B8-419B-44F1-A15C-DCE6E89441DE}" type="datetimeFigureOut">
               <a:rPr lang="he-IL" smtClean="0"/>
-              <a:t>י"ח/סיון/תשפ"ג</a:t>
+              <a:t>כ"א/סיון/תשפ"ג</a:t>
             </a:fld>
             <a:endParaRPr lang="he-IL"/>
           </a:p>
@@ -6215,7 +6916,7 @@
           <a:p>
             <a:fld id="{507718B8-419B-44F1-A15C-DCE6E89441DE}" type="datetimeFigureOut">
               <a:rPr lang="he-IL" smtClean="0"/>
-              <a:t>י"ח/סיון/תשפ"ג</a:t>
+              <a:t>כ"א/סיון/תשפ"ג</a:t>
             </a:fld>
             <a:endParaRPr lang="he-IL"/>
           </a:p>
@@ -6591,7 +7292,7 @@
           <a:p>
             <a:fld id="{507718B8-419B-44F1-A15C-DCE6E89441DE}" type="datetimeFigureOut">
               <a:rPr lang="he-IL" smtClean="0"/>
-              <a:t>י"ח/סיון/תשפ"ג</a:t>
+              <a:t>כ"א/סיון/תשפ"ג</a:t>
             </a:fld>
             <a:endParaRPr lang="he-IL"/>
           </a:p>
@@ -7097,7 +7798,7 @@
           <a:p>
             <a:fld id="{507718B8-419B-44F1-A15C-DCE6E89441DE}" type="datetimeFigureOut">
               <a:rPr lang="he-IL" smtClean="0"/>
-              <a:t>י"ח/סיון/תשפ"ג</a:t>
+              <a:t>כ"א/סיון/תשפ"ג</a:t>
             </a:fld>
             <a:endParaRPr lang="he-IL"/>
           </a:p>
@@ -7354,7 +8055,7 @@
           <a:p>
             <a:fld id="{507718B8-419B-44F1-A15C-DCE6E89441DE}" type="datetimeFigureOut">
               <a:rPr lang="he-IL" smtClean="0"/>
-              <a:t>י"ח/סיון/תשפ"ג</a:t>
+              <a:t>כ"א/סיון/תשפ"ג</a:t>
             </a:fld>
             <a:endParaRPr lang="he-IL"/>
           </a:p>
@@ -7517,7 +8218,7 @@
           <a:p>
             <a:fld id="{507718B8-419B-44F1-A15C-DCE6E89441DE}" type="datetimeFigureOut">
               <a:rPr lang="he-IL" smtClean="0"/>
-              <a:t>י"ח/סיון/תשפ"ג</a:t>
+              <a:t>כ"א/סיון/תשפ"ג</a:t>
             </a:fld>
             <a:endParaRPr lang="he-IL"/>
           </a:p>
@@ -7907,7 +8608,7 @@
           <a:p>
             <a:fld id="{507718B8-419B-44F1-A15C-DCE6E89441DE}" type="datetimeFigureOut">
               <a:rPr lang="he-IL" smtClean="0"/>
-              <a:t>י"ח/סיון/תשפ"ג</a:t>
+              <a:t>כ"א/סיון/תשפ"ג</a:t>
             </a:fld>
             <a:endParaRPr lang="he-IL"/>
           </a:p>
@@ -8316,7 +9017,7 @@
           <a:p>
             <a:fld id="{507718B8-419B-44F1-A15C-DCE6E89441DE}" type="datetimeFigureOut">
               <a:rPr lang="he-IL" smtClean="0"/>
-              <a:t>י"ח/סיון/תשפ"ג</a:t>
+              <a:t>כ"א/סיון/תשפ"ג</a:t>
             </a:fld>
             <a:endParaRPr lang="he-IL"/>
           </a:p>
@@ -8560,7 +9261,7 @@
           <a:p>
             <a:fld id="{507718B8-419B-44F1-A15C-DCE6E89441DE}" type="datetimeFigureOut">
               <a:rPr lang="he-IL" smtClean="0"/>
-              <a:t>י"ח/סיון/תשפ"ג</a:t>
+              <a:t>כ"א/סיון/תשפ"ג</a:t>
             </a:fld>
             <a:endParaRPr lang="he-IL"/>
           </a:p>
@@ -10031,7 +10732,7 @@
             </p:nvPr>
           </p:nvPicPr>
           <p:blipFill>
-            <a:blip r:embed="rId2">
+            <a:blip r:embed="rId3">
               <a:alphaModFix amt="10000"/>
               <a:extLst>
                 <a:ext uri="{28A0092B-C50C-407E-A947-70E740481C1C}">
@@ -10180,7 +10881,7 @@
           <p:nvPr/>
         </p:nvPicPr>
         <p:blipFill rotWithShape="1">
-          <a:blip r:embed="rId3"/>
+          <a:blip r:embed="rId4"/>
           <a:srcRect l="14398" r="21396" b="-1"/>
           <a:stretch/>
         </p:blipFill>
@@ -10316,7 +11017,7 @@
           </p:nvPr>
         </p:nvPicPr>
         <p:blipFill>
-          <a:blip r:embed="rId4">
+          <a:blip r:embed="rId5">
             <a:extLst>
               <a:ext uri="{28A0092B-C50C-407E-A947-70E740481C1C}">
                 <a14:useLocalDpi xmlns:a14="http://schemas.microsoft.com/office/drawing/2010/main" val="0"/>
@@ -11541,7 +12242,7 @@
           <p:nvPr/>
         </p:nvPicPr>
         <p:blipFill>
-          <a:blip r:embed="rId2"/>
+          <a:blip r:embed="rId3"/>
           <a:stretch>
             <a:fillRect/>
           </a:stretch>
@@ -11571,7 +12272,7 @@
           <p:nvPr/>
         </p:nvPicPr>
         <p:blipFill>
-          <a:blip r:embed="rId3"/>
+          <a:blip r:embed="rId4"/>
           <a:stretch>
             <a:fillRect/>
           </a:stretch>
@@ -11588,7 +12289,7 @@
       </p:pic>
       <mc:AlternateContent xmlns:mc="http://schemas.openxmlformats.org/markup-compatibility/2006" xmlns:p14="http://schemas.microsoft.com/office/powerpoint/2010/main">
         <mc:Choice Requires="p14">
-          <p:contentPart p14:bwMode="auto" r:id="rId4">
+          <p:contentPart p14:bwMode="auto" r:id="rId5">
             <p14:nvContentPartPr>
               <p14:cNvPr id="8" name="Ink 7">
                 <a:extLst>
@@ -11620,7 +12321,7 @@
               <p:nvPr/>
             </p:nvPicPr>
             <p:blipFill>
-              <a:blip r:embed="rId5"/>
+              <a:blip r:embed="rId6"/>
               <a:stretch>
                 <a:fillRect/>
               </a:stretch>
@@ -11639,7 +12340,7 @@
       </mc:AlternateContent>
       <mc:AlternateContent xmlns:mc="http://schemas.openxmlformats.org/markup-compatibility/2006" xmlns:p14="http://schemas.microsoft.com/office/powerpoint/2010/main">
         <mc:Choice Requires="p14">
-          <p:contentPart p14:bwMode="auto" r:id="rId6">
+          <p:contentPart p14:bwMode="auto" r:id="rId7">
             <p14:nvContentPartPr>
               <p14:cNvPr id="9" name="Ink 8">
                 <a:extLst>
@@ -11671,7 +12372,7 @@
               <p:nvPr/>
             </p:nvPicPr>
             <p:blipFill>
-              <a:blip r:embed="rId7"/>
+              <a:blip r:embed="rId8"/>
               <a:stretch>
                 <a:fillRect/>
               </a:stretch>
@@ -11690,7 +12391,7 @@
       </mc:AlternateContent>
       <mc:AlternateContent xmlns:mc="http://schemas.openxmlformats.org/markup-compatibility/2006" xmlns:p14="http://schemas.microsoft.com/office/powerpoint/2010/main">
         <mc:Choice Requires="p14">
-          <p:contentPart p14:bwMode="auto" r:id="rId8">
+          <p:contentPart p14:bwMode="auto" r:id="rId9">
             <p14:nvContentPartPr>
               <p14:cNvPr id="10" name="Ink 9">
                 <a:extLst>
@@ -11722,7 +12423,7 @@
               <p:nvPr/>
             </p:nvPicPr>
             <p:blipFill>
-              <a:blip r:embed="rId9"/>
+              <a:blip r:embed="rId10"/>
               <a:stretch>
                 <a:fillRect/>
               </a:stretch>
@@ -11754,7 +12455,7 @@
           <p:nvPr/>
         </p:nvPicPr>
         <p:blipFill>
-          <a:blip r:embed="rId10"/>
+          <a:blip r:embed="rId11"/>
           <a:stretch>
             <a:fillRect/>
           </a:stretch>
@@ -11779,6 +12480,171 @@
   <p:clrMapOvr>
     <a:masterClrMapping/>
   </p:clrMapOvr>
+  <p:timing>
+    <p:tnLst>
+      <p:par>
+        <p:cTn id="1" dur="indefinite" restart="never" nodeType="tmRoot">
+          <p:childTnLst>
+            <p:seq concurrent="1" nextAc="seek">
+              <p:cTn id="2" dur="indefinite" nodeType="mainSeq">
+                <p:childTnLst>
+                  <p:par>
+                    <p:cTn id="3" fill="hold">
+                      <p:stCondLst>
+                        <p:cond delay="indefinite"/>
+                      </p:stCondLst>
+                      <p:childTnLst>
+                        <p:par>
+                          <p:cTn id="4" fill="hold">
+                            <p:stCondLst>
+                              <p:cond delay="0"/>
+                            </p:stCondLst>
+                            <p:childTnLst>
+                              <p:par>
+                                <p:cTn id="5" presetID="1" presetClass="entr" presetSubtype="0" fill="hold" nodeType="clickEffect">
+                                  <p:stCondLst>
+                                    <p:cond delay="0"/>
+                                  </p:stCondLst>
+                                  <p:childTnLst>
+                                    <p:set>
+                                      <p:cBhvr>
+                                        <p:cTn id="6" dur="1" fill="hold">
+                                          <p:stCondLst>
+                                            <p:cond delay="0"/>
+                                          </p:stCondLst>
+                                        </p:cTn>
+                                        <p:tgtEl>
+                                          <p:spTgt spid="12"/>
+                                        </p:tgtEl>
+                                        <p:attrNameLst>
+                                          <p:attrName>style.visibility</p:attrName>
+                                        </p:attrNameLst>
+                                      </p:cBhvr>
+                                      <p:to>
+                                        <p:strVal val="visible"/>
+                                      </p:to>
+                                    </p:set>
+                                  </p:childTnLst>
+                                </p:cTn>
+                              </p:par>
+                            </p:childTnLst>
+                          </p:cTn>
+                        </p:par>
+                      </p:childTnLst>
+                    </p:cTn>
+                  </p:par>
+                  <p:par>
+                    <p:cTn id="7" fill="hold">
+                      <p:stCondLst>
+                        <p:cond delay="indefinite"/>
+                      </p:stCondLst>
+                      <p:childTnLst>
+                        <p:par>
+                          <p:cTn id="8" fill="hold">
+                            <p:stCondLst>
+                              <p:cond delay="0"/>
+                            </p:stCondLst>
+                            <p:childTnLst>
+                              <p:par>
+                                <p:cTn id="9" presetID="1" presetClass="entr" presetSubtype="0" fill="hold" nodeType="clickEffect">
+                                  <p:stCondLst>
+                                    <p:cond delay="0"/>
+                                  </p:stCondLst>
+                                  <p:childTnLst>
+                                    <p:set>
+                                      <p:cBhvr>
+                                        <p:cTn id="10" dur="1" fill="hold">
+                                          <p:stCondLst>
+                                            <p:cond delay="0"/>
+                                          </p:stCondLst>
+                                        </p:cTn>
+                                        <p:tgtEl>
+                                          <p:spTgt spid="5"/>
+                                        </p:tgtEl>
+                                        <p:attrNameLst>
+                                          <p:attrName>style.visibility</p:attrName>
+                                        </p:attrNameLst>
+                                      </p:cBhvr>
+                                      <p:to>
+                                        <p:strVal val="visible"/>
+                                      </p:to>
+                                    </p:set>
+                                  </p:childTnLst>
+                                </p:cTn>
+                              </p:par>
+                            </p:childTnLst>
+                          </p:cTn>
+                        </p:par>
+                      </p:childTnLst>
+                    </p:cTn>
+                  </p:par>
+                  <p:par>
+                    <p:cTn id="11" fill="hold">
+                      <p:stCondLst>
+                        <p:cond delay="indefinite"/>
+                      </p:stCondLst>
+                      <p:childTnLst>
+                        <p:par>
+                          <p:cTn id="12" fill="hold">
+                            <p:stCondLst>
+                              <p:cond delay="0"/>
+                            </p:stCondLst>
+                            <p:childTnLst>
+                              <p:par>
+                                <p:cTn id="13" presetID="1" presetClass="entr" presetSubtype="0" fill="hold" nodeType="clickEffect">
+                                  <p:stCondLst>
+                                    <p:cond delay="0"/>
+                                  </p:stCondLst>
+                                  <p:childTnLst>
+                                    <p:set>
+                                      <p:cBhvr>
+                                        <p:cTn id="14" dur="1" fill="hold">
+                                          <p:stCondLst>
+                                            <p:cond delay="0"/>
+                                          </p:stCondLst>
+                                        </p:cTn>
+                                        <p:tgtEl>
+                                          <p:spTgt spid="6"/>
+                                        </p:tgtEl>
+                                        <p:attrNameLst>
+                                          <p:attrName>style.visibility</p:attrName>
+                                        </p:attrNameLst>
+                                      </p:cBhvr>
+                                      <p:to>
+                                        <p:strVal val="visible"/>
+                                      </p:to>
+                                    </p:set>
+                                  </p:childTnLst>
+                                </p:cTn>
+                              </p:par>
+                            </p:childTnLst>
+                          </p:cTn>
+                        </p:par>
+                      </p:childTnLst>
+                    </p:cTn>
+                  </p:par>
+                </p:childTnLst>
+              </p:cTn>
+              <p:prevCondLst>
+                <p:cond evt="onPrev" delay="0">
+                  <p:tgtEl>
+                    <p:sldTgt/>
+                  </p:tgtEl>
+                </p:cond>
+              </p:prevCondLst>
+              <p:nextCondLst>
+                <p:cond evt="onNext" delay="0">
+                  <p:tgtEl>
+                    <p:sldTgt/>
+                  </p:tgtEl>
+                </p:cond>
+              </p:nextCondLst>
+            </p:seq>
+          </p:childTnLst>
+        </p:cTn>
+      </p:par>
+    </p:tnLst>
+  </p:timing>
 </p:sld>
 </file>
 
@@ -12702,6 +13568,601 @@
   <p:clrMapOvr>
     <a:masterClrMapping/>
   </p:clrMapOvr>
+  <p:timing>
+    <p:tnLst>
+      <p:par>
+        <p:cTn id="1" dur="indefinite" restart="never" nodeType="tmRoot">
+          <p:childTnLst>
+            <p:seq concurrent="1" nextAc="seek">
+              <p:cTn id="2" dur="indefinite" nodeType="mainSeq">
+                <p:childTnLst>
+                  <p:par>
+                    <p:cTn id="3" fill="hold">
+                      <p:stCondLst>
+                        <p:cond delay="indefinite"/>
+                      </p:stCondLst>
+                      <p:childTnLst>
+                        <p:par>
+                          <p:cTn id="4" fill="hold">
+                            <p:stCondLst>
+                              <p:cond delay="0"/>
+                            </p:stCondLst>
+                            <p:childTnLst>
+                              <p:par>
+                                <p:cTn id="5" presetID="1" presetClass="entr" presetSubtype="0" fill="hold" nodeType="clickEffect">
+                                  <p:stCondLst>
+                                    <p:cond delay="0"/>
+                                  </p:stCondLst>
+                                  <p:childTnLst>
+                                    <p:set>
+                                      <p:cBhvr>
+                                        <p:cTn id="6" dur="1" fill="hold">
+                                          <p:stCondLst>
+                                            <p:cond delay="0"/>
+                                          </p:stCondLst>
+                                        </p:cTn>
+                                        <p:tgtEl>
+                                          <p:spTgt spid="5"/>
+                                        </p:tgtEl>
+                                        <p:attrNameLst>
+                                          <p:attrName>style.visibility</p:attrName>
+                                        </p:attrNameLst>
+                                      </p:cBhvr>
+                                      <p:to>
+                                        <p:strVal val="visible"/>
+                                      </p:to>
+                                    </p:set>
+                                  </p:childTnLst>
+                                </p:cTn>
+                              </p:par>
+                            </p:childTnLst>
+                          </p:cTn>
+                        </p:par>
+                      </p:childTnLst>
+                    </p:cTn>
+                  </p:par>
+                  <p:par>
+                    <p:cTn id="7" fill="hold">
+                      <p:stCondLst>
+                        <p:cond delay="indefinite"/>
+                      </p:stCondLst>
+                      <p:childTnLst>
+                        <p:par>
+                          <p:cTn id="8" fill="hold">
+                            <p:stCondLst>
+                              <p:cond delay="0"/>
+                            </p:stCondLst>
+                            <p:childTnLst>
+                              <p:par>
+                                <p:cTn id="9" presetID="1" presetClass="entr" presetSubtype="0" fill="hold" grpId="0" nodeType="clickEffect">
+                                  <p:stCondLst>
+                                    <p:cond delay="0"/>
+                                  </p:stCondLst>
+                                  <p:childTnLst>
+                                    <p:set>
+                                      <p:cBhvr>
+                                        <p:cTn id="10" dur="1" fill="hold">
+                                          <p:stCondLst>
+                                            <p:cond delay="0"/>
+                                          </p:stCondLst>
+                                        </p:cTn>
+                                        <p:tgtEl>
+                                          <p:spTgt spid="6"/>
+                                        </p:tgtEl>
+                                        <p:attrNameLst>
+                                          <p:attrName>style.visibility</p:attrName>
+                                        </p:attrNameLst>
+                                      </p:cBhvr>
+                                      <p:to>
+                                        <p:strVal val="visible"/>
+                                      </p:to>
+                                    </p:set>
+                                  </p:childTnLst>
+                                </p:cTn>
+                              </p:par>
+                            </p:childTnLst>
+                          </p:cTn>
+                        </p:par>
+                      </p:childTnLst>
+                    </p:cTn>
+                  </p:par>
+                  <p:par>
+                    <p:cTn id="11" fill="hold">
+                      <p:stCondLst>
+                        <p:cond delay="indefinite"/>
+                      </p:stCondLst>
+                      <p:childTnLst>
+                        <p:par>
+                          <p:cTn id="12" fill="hold">
+                            <p:stCondLst>
+                              <p:cond delay="0"/>
+                            </p:stCondLst>
+                            <p:childTnLst>
+                              <p:par>
+                                <p:cTn id="13" presetID="1" presetClass="entr" presetSubtype="0" fill="hold" grpId="0" nodeType="clickEffect">
+                                  <p:stCondLst>
+                                    <p:cond delay="0"/>
+                                  </p:stCondLst>
+                                  <p:childTnLst>
+                                    <p:set>
+                                      <p:cBhvr>
+                                        <p:cTn id="14" dur="1" fill="hold">
+                                          <p:stCondLst>
+                                            <p:cond delay="0"/>
+                                          </p:stCondLst>
+                                        </p:cTn>
+                                        <p:tgtEl>
+                                          <p:spTgt spid="8"/>
+                                        </p:tgtEl>
+                                        <p:attrNameLst>
+                                          <p:attrName>style.visibility</p:attrName>
+                                        </p:attrNameLst>
+                                      </p:cBhvr>
+                                      <p:to>
+                                        <p:strVal val="visible"/>
+                                      </p:to>
+                                    </p:set>
+                                  </p:childTnLst>
+                                </p:cTn>
+                              </p:par>
+                            </p:childTnLst>
+                          </p:cTn>
+                        </p:par>
+                      </p:childTnLst>
+                    </p:cTn>
+                  </p:par>
+                  <p:par>
+                    <p:cTn id="15" fill="hold">
+                      <p:stCondLst>
+                        <p:cond delay="indefinite"/>
+                      </p:stCondLst>
+                      <p:childTnLst>
+                        <p:par>
+                          <p:cTn id="16" fill="hold">
+                            <p:stCondLst>
+                              <p:cond delay="0"/>
+                            </p:stCondLst>
+                            <p:childTnLst>
+                              <p:par>
+                                <p:cTn id="17" presetID="1" presetClass="entr" presetSubtype="0" fill="hold" grpId="0" nodeType="clickEffect">
+                                  <p:stCondLst>
+                                    <p:cond delay="0"/>
+                                  </p:stCondLst>
+                                  <p:childTnLst>
+                                    <p:set>
+                                      <p:cBhvr>
+                                        <p:cTn id="18" dur="1" fill="hold">
+                                          <p:stCondLst>
+                                            <p:cond delay="0"/>
+                                          </p:stCondLst>
+                                        </p:cTn>
+                                        <p:tgtEl>
+                                          <p:spTgt spid="9"/>
+                                        </p:tgtEl>
+                                        <p:attrNameLst>
+                                          <p:attrName>style.visibility</p:attrName>
+                                        </p:attrNameLst>
+                                      </p:cBhvr>
+                                      <p:to>
+                                        <p:strVal val="visible"/>
+                                      </p:to>
+                                    </p:set>
+                                  </p:childTnLst>
+                                </p:cTn>
+                              </p:par>
+                            </p:childTnLst>
+                          </p:cTn>
+                        </p:par>
+                      </p:childTnLst>
+                    </p:cTn>
+                  </p:par>
+                  <p:par>
+                    <p:cTn id="19" fill="hold">
+                      <p:stCondLst>
+                        <p:cond delay="indefinite"/>
+                      </p:stCondLst>
+                      <p:childTnLst>
+                        <p:par>
+                          <p:cTn id="20" fill="hold">
+                            <p:stCondLst>
+                              <p:cond delay="0"/>
+                            </p:stCondLst>
+                            <p:childTnLst>
+                              <p:par>
+                                <p:cTn id="21" presetID="1" presetClass="entr" presetSubtype="0" fill="hold" grpId="0" nodeType="clickEffect">
+                                  <p:stCondLst>
+                                    <p:cond delay="0"/>
+                                  </p:stCondLst>
+                                  <p:childTnLst>
+                                    <p:set>
+                                      <p:cBhvr>
+                                        <p:cTn id="22" dur="1" fill="hold">
+                                          <p:stCondLst>
+                                            <p:cond delay="0"/>
+                                          </p:stCondLst>
+                                        </p:cTn>
+                                        <p:tgtEl>
+                                          <p:spTgt spid="7"/>
+                                        </p:tgtEl>
+                                        <p:attrNameLst>
+                                          <p:attrName>style.visibility</p:attrName>
+                                        </p:attrNameLst>
+                                      </p:cBhvr>
+                                      <p:to>
+                                        <p:strVal val="visible"/>
+                                      </p:to>
+                                    </p:set>
+                                  </p:childTnLst>
+                                </p:cTn>
+                              </p:par>
+                            </p:childTnLst>
+                          </p:cTn>
+                        </p:par>
+                      </p:childTnLst>
+                    </p:cTn>
+                  </p:par>
+                  <p:par>
+                    <p:cTn id="23" fill="hold">
+                      <p:stCondLst>
+                        <p:cond delay="indefinite"/>
+                      </p:stCondLst>
+                      <p:childTnLst>
+                        <p:par>
+                          <p:cTn id="24" fill="hold">
+                            <p:stCondLst>
+                              <p:cond delay="0"/>
+                            </p:stCondLst>
+                            <p:childTnLst>
+                              <p:par>
+                                <p:cTn id="25" presetID="1" presetClass="entr" presetSubtype="0" fill="hold" grpId="0" nodeType="clickEffect">
+                                  <p:stCondLst>
+                                    <p:cond delay="0"/>
+                                  </p:stCondLst>
+                                  <p:childTnLst>
+                                    <p:set>
+                                      <p:cBhvr>
+                                        <p:cTn id="26" dur="1" fill="hold">
+                                          <p:stCondLst>
+                                            <p:cond delay="0"/>
+                                          </p:stCondLst>
+                                        </p:cTn>
+                                        <p:tgtEl>
+                                          <p:spTgt spid="21"/>
+                                        </p:tgtEl>
+                                        <p:attrNameLst>
+                                          <p:attrName>style.visibility</p:attrName>
+                                        </p:attrNameLst>
+                                      </p:cBhvr>
+                                      <p:to>
+                                        <p:strVal val="visible"/>
+                                      </p:to>
+                                    </p:set>
+                                  </p:childTnLst>
+                                </p:cTn>
+                              </p:par>
+                            </p:childTnLst>
+                          </p:cTn>
+                        </p:par>
+                      </p:childTnLst>
+                    </p:cTn>
+                  </p:par>
+                  <p:par>
+                    <p:cTn id="27" fill="hold">
+                      <p:stCondLst>
+                        <p:cond delay="indefinite"/>
+                      </p:stCondLst>
+                      <p:childTnLst>
+                        <p:par>
+                          <p:cTn id="28" fill="hold">
+                            <p:stCondLst>
+                              <p:cond delay="0"/>
+                            </p:stCondLst>
+                            <p:childTnLst>
+                              <p:par>
+                                <p:cTn id="29" presetID="1" presetClass="entr" presetSubtype="0" fill="hold" grpId="0" nodeType="clickEffect">
+                                  <p:stCondLst>
+                                    <p:cond delay="0"/>
+                                  </p:stCondLst>
+                                  <p:childTnLst>
+                                    <p:set>
+                                      <p:cBhvr>
+                                        <p:cTn id="30" dur="1" fill="hold">
+                                          <p:stCondLst>
+                                            <p:cond delay="0"/>
+                                          </p:stCondLst>
+                                        </p:cTn>
+                                        <p:tgtEl>
+                                          <p:spTgt spid="20"/>
+                                        </p:tgtEl>
+                                        <p:attrNameLst>
+                                          <p:attrName>style.visibility</p:attrName>
+                                        </p:attrNameLst>
+                                      </p:cBhvr>
+                                      <p:to>
+                                        <p:strVal val="visible"/>
+                                      </p:to>
+                                    </p:set>
+                                  </p:childTnLst>
+                                </p:cTn>
+                              </p:par>
+                            </p:childTnLst>
+                          </p:cTn>
+                        </p:par>
+                      </p:childTnLst>
+                    </p:cTn>
+                  </p:par>
+                  <p:par>
+                    <p:cTn id="31" fill="hold">
+                      <p:stCondLst>
+                        <p:cond delay="indefinite"/>
+                      </p:stCondLst>
+                      <p:childTnLst>
+                        <p:par>
+                          <p:cTn id="32" fill="hold">
+                            <p:stCondLst>
+                              <p:cond delay="0"/>
+                            </p:stCondLst>
+                            <p:childTnLst>
+                              <p:par>
+                                <p:cTn id="33" presetID="1" presetClass="entr" presetSubtype="0" fill="hold" grpId="0" nodeType="clickEffect">
+                                  <p:stCondLst>
+                                    <p:cond delay="0"/>
+                                  </p:stCondLst>
+                                  <p:childTnLst>
+                                    <p:set>
+                                      <p:cBhvr>
+                                        <p:cTn id="34" dur="1" fill="hold">
+                                          <p:stCondLst>
+                                            <p:cond delay="0"/>
+                                          </p:stCondLst>
+                                        </p:cTn>
+                                        <p:tgtEl>
+                                          <p:spTgt spid="11"/>
+                                        </p:tgtEl>
+                                        <p:attrNameLst>
+                                          <p:attrName>style.visibility</p:attrName>
+                                        </p:attrNameLst>
+                                      </p:cBhvr>
+                                      <p:to>
+                                        <p:strVal val="visible"/>
+                                      </p:to>
+                                    </p:set>
+                                  </p:childTnLst>
+                                </p:cTn>
+                              </p:par>
+                              <p:par>
+                                <p:cTn id="35" presetID="1" presetClass="entr" presetSubtype="0" fill="hold" grpId="0" nodeType="withEffect">
+                                  <p:stCondLst>
+                                    <p:cond delay="0"/>
+                                  </p:stCondLst>
+                                  <p:childTnLst>
+                                    <p:set>
+                                      <p:cBhvr>
+                                        <p:cTn id="36" dur="1" fill="hold">
+                                          <p:stCondLst>
+                                            <p:cond delay="0"/>
+                                          </p:stCondLst>
+                                        </p:cTn>
+                                        <p:tgtEl>
+                                          <p:spTgt spid="13"/>
+                                        </p:tgtEl>
+                                        <p:attrNameLst>
+                                          <p:attrName>style.visibility</p:attrName>
+                                        </p:attrNameLst>
+                                      </p:cBhvr>
+                                      <p:to>
+                                        <p:strVal val="visible"/>
+                                      </p:to>
+                                    </p:set>
+                                  </p:childTnLst>
+                                </p:cTn>
+                              </p:par>
+                              <p:par>
+                                <p:cTn id="37" presetID="1" presetClass="entr" presetSubtype="0" fill="hold" grpId="0" nodeType="withEffect">
+                                  <p:stCondLst>
+                                    <p:cond delay="0"/>
+                                  </p:stCondLst>
+                                  <p:childTnLst>
+                                    <p:set>
+                                      <p:cBhvr>
+                                        <p:cTn id="38" dur="1" fill="hold">
+                                          <p:stCondLst>
+                                            <p:cond delay="0"/>
+                                          </p:stCondLst>
+                                        </p:cTn>
+                                        <p:tgtEl>
+                                          <p:spTgt spid="14"/>
+                                        </p:tgtEl>
+                                        <p:attrNameLst>
+                                          <p:attrName>style.visibility</p:attrName>
+                                        </p:attrNameLst>
+                                      </p:cBhvr>
+                                      <p:to>
+                                        <p:strVal val="visible"/>
+                                      </p:to>
+                                    </p:set>
+                                  </p:childTnLst>
+                                </p:cTn>
+                              </p:par>
+                              <p:par>
+                                <p:cTn id="39" presetID="1" presetClass="entr" presetSubtype="0" fill="hold" grpId="0" nodeType="withEffect">
+                                  <p:stCondLst>
+                                    <p:cond delay="0"/>
+                                  </p:stCondLst>
+                                  <p:childTnLst>
+                                    <p:set>
+                                      <p:cBhvr>
+                                        <p:cTn id="40" dur="1" fill="hold">
+                                          <p:stCondLst>
+                                            <p:cond delay="0"/>
+                                          </p:stCondLst>
+                                        </p:cTn>
+                                        <p:tgtEl>
+                                          <p:spTgt spid="15"/>
+                                        </p:tgtEl>
+                                        <p:attrNameLst>
+                                          <p:attrName>style.visibility</p:attrName>
+                                        </p:attrNameLst>
+                                      </p:cBhvr>
+                                      <p:to>
+                                        <p:strVal val="visible"/>
+                                      </p:to>
+                                    </p:set>
+                                  </p:childTnLst>
+                                </p:cTn>
+                              </p:par>
+                              <p:par>
+                                <p:cTn id="41" presetID="1" presetClass="entr" presetSubtype="0" fill="hold" grpId="0" nodeType="withEffect">
+                                  <p:stCondLst>
+                                    <p:cond delay="0"/>
+                                  </p:stCondLst>
+                                  <p:childTnLst>
+                                    <p:set>
+                                      <p:cBhvr>
+                                        <p:cTn id="42" dur="1" fill="hold">
+                                          <p:stCondLst>
+                                            <p:cond delay="0"/>
+                                          </p:stCondLst>
+                                        </p:cTn>
+                                        <p:tgtEl>
+                                          <p:spTgt spid="16"/>
+                                        </p:tgtEl>
+                                        <p:attrNameLst>
+                                          <p:attrName>style.visibility</p:attrName>
+                                        </p:attrNameLst>
+                                      </p:cBhvr>
+                                      <p:to>
+                                        <p:strVal val="visible"/>
+                                      </p:to>
+                                    </p:set>
+                                  </p:childTnLst>
+                                </p:cTn>
+                              </p:par>
+                              <p:par>
+                                <p:cTn id="43" presetID="1" presetClass="entr" presetSubtype="0" fill="hold" grpId="0" nodeType="withEffect">
+                                  <p:stCondLst>
+                                    <p:cond delay="0"/>
+                                  </p:stCondLst>
+                                  <p:childTnLst>
+                                    <p:set>
+                                      <p:cBhvr>
+                                        <p:cTn id="44" dur="1" fill="hold">
+                                          <p:stCondLst>
+                                            <p:cond delay="0"/>
+                                          </p:stCondLst>
+                                        </p:cTn>
+                                        <p:tgtEl>
+                                          <p:spTgt spid="17"/>
+                                        </p:tgtEl>
+                                        <p:attrNameLst>
+                                          <p:attrName>style.visibility</p:attrName>
+                                        </p:attrNameLst>
+                                      </p:cBhvr>
+                                      <p:to>
+                                        <p:strVal val="visible"/>
+                                      </p:to>
+                                    </p:set>
+                                  </p:childTnLst>
+                                </p:cTn>
+                              </p:par>
+                              <p:par>
+                                <p:cTn id="45" presetID="1" presetClass="entr" presetSubtype="0" fill="hold" grpId="0" nodeType="withEffect">
+                                  <p:stCondLst>
+                                    <p:cond delay="0"/>
+                                  </p:stCondLst>
+                                  <p:childTnLst>
+                                    <p:set>
+                                      <p:cBhvr>
+                                        <p:cTn id="46" dur="1" fill="hold">
+                                          <p:stCondLst>
+                                            <p:cond delay="0"/>
+                                          </p:stCondLst>
+                                        </p:cTn>
+                                        <p:tgtEl>
+                                          <p:spTgt spid="18"/>
+                                        </p:tgtEl>
+                                        <p:attrNameLst>
+                                          <p:attrName>style.visibility</p:attrName>
+                                        </p:attrNameLst>
+                                      </p:cBhvr>
+                                      <p:to>
+                                        <p:strVal val="visible"/>
+                                      </p:to>
+                                    </p:set>
+                                  </p:childTnLst>
+                                </p:cTn>
+                              </p:par>
+                              <p:par>
+                                <p:cTn id="47" presetID="1" presetClass="entr" presetSubtype="0" fill="hold" grpId="0" nodeType="withEffect">
+                                  <p:stCondLst>
+                                    <p:cond delay="0"/>
+                                  </p:stCondLst>
+                                  <p:childTnLst>
+                                    <p:set>
+                                      <p:cBhvr>
+                                        <p:cTn id="48" dur="1" fill="hold">
+                                          <p:stCondLst>
+                                            <p:cond delay="0"/>
+                                          </p:stCondLst>
+                                        </p:cTn>
+                                        <p:tgtEl>
+                                          <p:spTgt spid="19"/>
+                                        </p:tgtEl>
+                                        <p:attrNameLst>
+                                          <p:attrName>style.visibility</p:attrName>
+                                        </p:attrNameLst>
+                                      </p:cBhvr>
+                                      <p:to>
+                                        <p:strVal val="visible"/>
+                                      </p:to>
+                                    </p:set>
+                                  </p:childTnLst>
+                                </p:cTn>
+                              </p:par>
+                            </p:childTnLst>
+                          </p:cTn>
+                        </p:par>
+                      </p:childTnLst>
+                    </p:cTn>
+                  </p:par>
+                </p:childTnLst>
+              </p:cTn>
+              <p:prevCondLst>
+                <p:cond evt="onPrev" delay="0">
+                  <p:tgtEl>
+                    <p:sldTgt/>
+                  </p:tgtEl>
+                </p:cond>
+              </p:prevCondLst>
+              <p:nextCondLst>
+                <p:cond evt="onNext" delay="0">
+                  <p:tgtEl>
+                    <p:sldTgt/>
+                  </p:tgtEl>
+                </p:cond>
+              </p:nextCondLst>
+            </p:seq>
+          </p:childTnLst>
+        </p:cTn>
+      </p:par>
+    </p:tnLst>
+    <p:bldLst>
+      <p:bldP spid="6" grpId="0" animBg="1"/>
+      <p:bldP spid="7" grpId="0" animBg="1"/>
+      <p:bldP spid="8" grpId="0" animBg="1"/>
+      <p:bldP spid="9" grpId="0" animBg="1"/>
+      <p:bldP spid="11" grpId="0" animBg="1"/>
+      <p:bldP spid="13" grpId="0" animBg="1"/>
+      <p:bldP spid="14" grpId="0" animBg="1"/>
+      <p:bldP spid="15" grpId="0" animBg="1"/>
+      <p:bldP spid="16" grpId="0" animBg="1"/>
+      <p:bldP spid="17" grpId="0" animBg="1"/>
+      <p:bldP spid="18" grpId="0" animBg="1"/>
+      <p:bldP spid="19" grpId="0" animBg="1"/>
+      <p:bldP spid="20" grpId="0" animBg="1"/>
+      <p:bldP spid="21" grpId="0" animBg="1"/>
+    </p:bldLst>
+  </p:timing>
 </p:sld>
 </file>
 
@@ -12782,12 +14243,21 @@
               <a:rPr lang="en-US" dirty="0" err="1"/>
               <a:t>AlephBert</a:t>
             </a:r>
-            <a:endParaRPr lang="en-US" dirty="0"/>
+            <a:r>
+              <a:rPr lang="en-US" dirty="0"/>
+              <a:t> binary classification</a:t>
+            </a:r>
           </a:p>
           <a:p>
             <a:r>
               <a:rPr lang="en-US" dirty="0"/>
               <a:t>Fine-tune/transfer learning</a:t>
+            </a:r>
+          </a:p>
+          <a:p>
+            <a:r>
+              <a:rPr lang="en-US" dirty="0"/>
+              <a:t>Predict score for the whole session</a:t>
             </a:r>
           </a:p>
         </p:txBody>
@@ -12807,14 +14277,14 @@
           <p:nvPr/>
         </p:nvPicPr>
         <p:blipFill>
-          <a:blip r:embed="rId2"/>
+          <a:blip r:embed="rId3"/>
           <a:stretch>
             <a:fillRect/>
           </a:stretch>
         </p:blipFill>
         <p:spPr>
           <a:xfrm>
-            <a:off x="378087" y="4266264"/>
+            <a:off x="378087" y="4616993"/>
             <a:ext cx="11435825" cy="1951656"/>
           </a:xfrm>
           <a:prstGeom prst="rect">
@@ -13087,4 +14557,299 @@
     </a:ext>
   </a:extLst>
 </a:theme>
+</file>
+
+<file path=ppt/theme/theme2.xml><?xml version="1.0" encoding="utf-8"?>
+<a:theme xmlns:a="http://schemas.openxmlformats.org/drawingml/2006/main" name="Office Theme">
+  <a:themeElements>
+    <a:clrScheme name="Office">
+      <a:dk1>
+        <a:sysClr val="windowText" lastClr="000000"/>
+      </a:dk1>
+      <a:lt1>
+        <a:sysClr val="window" lastClr="FFFFFF"/>
+      </a:lt1>
+      <a:dk2>
+        <a:srgbClr val="44546A"/>
+      </a:dk2>
+      <a:lt2>
+        <a:srgbClr val="E7E6E6"/>
+      </a:lt2>
+      <a:accent1>
+        <a:srgbClr val="4472C4"/>
+      </a:accent1>
+      <a:accent2>
+        <a:srgbClr val="ED7D31"/>
+      </a:accent2>
+      <a:accent3>
+        <a:srgbClr val="A5A5A5"/>
+      </a:accent3>
+      <a:accent4>
+        <a:srgbClr val="FFC000"/>
+      </a:accent4>
+      <a:accent5>
+        <a:srgbClr val="5B9BD5"/>
+      </a:accent5>
+      <a:accent6>
+        <a:srgbClr val="70AD47"/>
+      </a:accent6>
+      <a:hlink>
+        <a:srgbClr val="0563C1"/>
+      </a:hlink>
+      <a:folHlink>
+        <a:srgbClr val="954F72"/>
+      </a:folHlink>
+    </a:clrScheme>
+    <a:fontScheme name="Office">
+      <a:majorFont>
+        <a:latin typeface="Calibri Light" panose="020F0302020204030204"/>
+        <a:ea typeface=""/>
+        <a:cs typeface=""/>
+        <a:font script="Jpan" typeface="游ゴシック Light"/>
+        <a:font script="Hang" typeface="맑은 고딕"/>
+        <a:font script="Hans" typeface="等线 Light"/>
+        <a:font script="Hant" typeface="新細明體"/>
+        <a:font script="Arab" typeface="Times New Roman"/>
+        <a:font script="Hebr" typeface="Times New Roman"/>
+        <a:font script="Thai" typeface="Angsana New"/>
+        <a:font script="Ethi" typeface="Nyala"/>
+        <a:font script="Beng" typeface="Vrinda"/>
+        <a:font script="Gujr" typeface="Shruti"/>
+        <a:font script="Khmr" typeface="MoolBoran"/>
+        <a:font script="Knda" typeface="Tunga"/>
+        <a:font script="Guru" typeface="Raavi"/>
+        <a:font script="Cans" typeface="Euphemia"/>
+        <a:font script="Cher" typeface="Plantagenet Cherokee"/>
+        <a:font script="Yiii" typeface="Microsoft Yi Baiti"/>
+        <a:font script="Tibt" typeface="Microsoft Himalaya"/>
+        <a:font script="Thaa" typeface="MV Boli"/>
+        <a:font script="Deva" typeface="Mangal"/>
+        <a:font script="Telu" typeface="Gautami"/>
+        <a:font script="Taml" typeface="Latha"/>
+        <a:font script="Syrc" typeface="Estrangelo Edessa"/>
+        <a:font script="Orya" typeface="Kalinga"/>
+        <a:font script="Mlym" typeface="Kartika"/>
+        <a:font script="Laoo" typeface="DokChampa"/>
+        <a:font script="Sinh" typeface="Iskoola Pota"/>
+        <a:font script="Mong" typeface="Mongolian Baiti"/>
+        <a:font script="Viet" typeface="Times New Roman"/>
+        <a:font script="Uigh" typeface="Microsoft Uighur"/>
+        <a:font script="Geor" typeface="Sylfaen"/>
+        <a:font script="Armn" typeface="Arial"/>
+        <a:font script="Bugi" typeface="Leelawadee UI"/>
+        <a:font script="Bopo" typeface="Microsoft JhengHei"/>
+        <a:font script="Java" typeface="Javanese Text"/>
+        <a:font script="Lisu" typeface="Segoe UI"/>
+        <a:font script="Mymr" typeface="Myanmar Text"/>
+        <a:font script="Nkoo" typeface="Ebrima"/>
+        <a:font script="Olck" typeface="Nirmala UI"/>
+        <a:font script="Osma" typeface="Ebrima"/>
+        <a:font script="Phag" typeface="Phagspa"/>
+        <a:font script="Syrn" typeface="Estrangelo Edessa"/>
+        <a:font script="Syrj" typeface="Estrangelo Edessa"/>
+        <a:font script="Syre" typeface="Estrangelo Edessa"/>
+        <a:font script="Sora" typeface="Nirmala UI"/>
+        <a:font script="Tale" typeface="Microsoft Tai Le"/>
+        <a:font script="Talu" typeface="Microsoft New Tai Lue"/>
+        <a:font script="Tfng" typeface="Ebrima"/>
+      </a:majorFont>
+      <a:minorFont>
+        <a:latin typeface="Calibri" panose="020F0502020204030204"/>
+        <a:ea typeface=""/>
+        <a:cs typeface=""/>
+        <a:font script="Jpan" typeface="游ゴシック"/>
+        <a:font script="Hang" typeface="맑은 고딕"/>
+        <a:font script="Hans" typeface="等线"/>
+        <a:font script="Hant" typeface="新細明體"/>
+        <a:font script="Arab" typeface="Arial"/>
+        <a:font script="Hebr" typeface="Arial"/>
+        <a:font script="Thai" typeface="Cordia New"/>
+        <a:font script="Ethi" typeface="Nyala"/>
+        <a:font script="Beng" typeface="Vrinda"/>
+        <a:font script="Gujr" typeface="Shruti"/>
+        <a:font script="Khmr" typeface="DaunPenh"/>
+        <a:font script="Knda" typeface="Tunga"/>
+        <a:font script="Guru" typeface="Raavi"/>
+        <a:font script="Cans" typeface="Euphemia"/>
+        <a:font script="Cher" typeface="Plantagenet Cherokee"/>
+        <a:font script="Yiii" typeface="Microsoft Yi Baiti"/>
+        <a:font script="Tibt" typeface="Microsoft Himalaya"/>
+        <a:font script="Thaa" typeface="MV Boli"/>
+        <a:font script="Deva" typeface="Mangal"/>
+        <a:font script="Telu" typeface="Gautami"/>
+        <a:font script="Taml" typeface="Latha"/>
+        <a:font script="Syrc" typeface="Estrangelo Edessa"/>
+        <a:font script="Orya" typeface="Kalinga"/>
+        <a:font script="Mlym" typeface="Kartika"/>
+        <a:font script="Laoo" typeface="DokChampa"/>
+        <a:font script="Sinh" typeface="Iskoola Pota"/>
+        <a:font script="Mong" typeface="Mongolian Baiti"/>
+        <a:font script="Viet" typeface="Arial"/>
+        <a:font script="Uigh" typeface="Microsoft Uighur"/>
+        <a:font script="Geor" typeface="Sylfaen"/>
+        <a:font script="Armn" typeface="Arial"/>
+        <a:font script="Bugi" typeface="Leelawadee UI"/>
+        <a:font script="Bopo" typeface="Microsoft JhengHei"/>
+        <a:font script="Java" typeface="Javanese Text"/>
+        <a:font script="Lisu" typeface="Segoe UI"/>
+        <a:font script="Mymr" typeface="Myanmar Text"/>
+        <a:font script="Nkoo" typeface="Ebrima"/>
+        <a:font script="Olck" typeface="Nirmala UI"/>
+        <a:font script="Osma" typeface="Ebrima"/>
+        <a:font script="Phag" typeface="Phagspa"/>
+        <a:font script="Syrn" typeface="Estrangelo Edessa"/>
+        <a:font script="Syrj" typeface="Estrangelo Edessa"/>
+        <a:font script="Syre" typeface="Estrangelo Edessa"/>
+        <a:font script="Sora" typeface="Nirmala UI"/>
+        <a:font script="Tale" typeface="Microsoft Tai Le"/>
+        <a:font script="Talu" typeface="Microsoft New Tai Lue"/>
+        <a:font script="Tfng" typeface="Ebrima"/>
+      </a:minorFont>
+    </a:fontScheme>
+    <a:fmtScheme name="Office">
+      <a:fillStyleLst>
+        <a:solidFill>
+          <a:schemeClr val="phClr"/>
+        </a:solidFill>
+        <a:gradFill rotWithShape="1">
+          <a:gsLst>
+            <a:gs pos="0">
+              <a:schemeClr val="phClr">
+                <a:lumMod val="110000"/>
+                <a:satMod val="105000"/>
+                <a:tint val="67000"/>
+              </a:schemeClr>
+            </a:gs>
+            <a:gs pos="50000">
+              <a:schemeClr val="phClr">
+                <a:lumMod val="105000"/>
+                <a:satMod val="103000"/>
+                <a:tint val="73000"/>
+              </a:schemeClr>
+            </a:gs>
+            <a:gs pos="100000">
+              <a:schemeClr val="phClr">
+                <a:lumMod val="105000"/>
+                <a:satMod val="109000"/>
+                <a:tint val="81000"/>
+              </a:schemeClr>
+            </a:gs>
+          </a:gsLst>
+          <a:lin ang="5400000" scaled="0"/>
+        </a:gradFill>
+        <a:gradFill rotWithShape="1">
+          <a:gsLst>
+            <a:gs pos="0">
+              <a:schemeClr val="phClr">
+                <a:satMod val="103000"/>
+                <a:lumMod val="102000"/>
+                <a:tint val="94000"/>
+              </a:schemeClr>
+            </a:gs>
+            <a:gs pos="50000">
+              <a:schemeClr val="phClr">
+                <a:satMod val="110000"/>
+                <a:lumMod val="100000"/>
+                <a:shade val="100000"/>
+              </a:schemeClr>
+            </a:gs>
+            <a:gs pos="100000">
+              <a:schemeClr val="phClr">
+                <a:lumMod val="99000"/>
+                <a:satMod val="120000"/>
+                <a:shade val="78000"/>
+              </a:schemeClr>
+            </a:gs>
+          </a:gsLst>
+          <a:lin ang="5400000" scaled="0"/>
+        </a:gradFill>
+      </a:fillStyleLst>
+      <a:lnStyleLst>
+        <a:ln w="6350" cap="flat" cmpd="sng" algn="ctr">
+          <a:solidFill>
+            <a:schemeClr val="phClr"/>
+          </a:solidFill>
+          <a:prstDash val="solid"/>
+          <a:miter lim="800000"/>
+        </a:ln>
+        <a:ln w="12700" cap="flat" cmpd="sng" algn="ctr">
+          <a:solidFill>
+            <a:schemeClr val="phClr"/>
+          </a:solidFill>
+          <a:prstDash val="solid"/>
+          <a:miter lim="800000"/>
+        </a:ln>
+        <a:ln w="19050" cap="flat" cmpd="sng" algn="ctr">
+          <a:solidFill>
+            <a:schemeClr val="phClr"/>
+          </a:solidFill>
+          <a:prstDash val="solid"/>
+          <a:miter lim="800000"/>
+        </a:ln>
+      </a:lnStyleLst>
+      <a:effectStyleLst>
+        <a:effectStyle>
+          <a:effectLst/>
+        </a:effectStyle>
+        <a:effectStyle>
+          <a:effectLst/>
+        </a:effectStyle>
+        <a:effectStyle>
+          <a:effectLst>
+            <a:outerShdw blurRad="57150" dist="19050" dir="5400000" algn="ctr" rotWithShape="0">
+              <a:srgbClr val="000000">
+                <a:alpha val="63000"/>
+              </a:srgbClr>
+            </a:outerShdw>
+          </a:effectLst>
+        </a:effectStyle>
+      </a:effectStyleLst>
+      <a:bgFillStyleLst>
+        <a:solidFill>
+          <a:schemeClr val="phClr"/>
+        </a:solidFill>
+        <a:solidFill>
+          <a:schemeClr val="phClr">
+            <a:tint val="95000"/>
+            <a:satMod val="170000"/>
+          </a:schemeClr>
+        </a:solidFill>
+        <a:gradFill rotWithShape="1">
+          <a:gsLst>
+            <a:gs pos="0">
+              <a:schemeClr val="phClr">
+                <a:tint val="93000"/>
+                <a:satMod val="150000"/>
+                <a:shade val="98000"/>
+                <a:lumMod val="102000"/>
+              </a:schemeClr>
+            </a:gs>
+            <a:gs pos="50000">
+              <a:schemeClr val="phClr">
+                <a:tint val="98000"/>
+                <a:satMod val="130000"/>
+                <a:shade val="90000"/>
+                <a:lumMod val="103000"/>
+              </a:schemeClr>
+            </a:gs>
+            <a:gs pos="100000">
+              <a:schemeClr val="phClr">
+                <a:shade val="63000"/>
+                <a:satMod val="120000"/>
+              </a:schemeClr>
+            </a:gs>
+          </a:gsLst>
+          <a:lin ang="5400000" scaled="0"/>
+        </a:gradFill>
+      </a:bgFillStyleLst>
+    </a:fmtScheme>
+  </a:themeElements>
+  <a:objectDefaults/>
+  <a:extraClrSchemeLst/>
+  <a:extLst>
+    <a:ext uri="{05A4C25C-085E-4340-85A3-A5531E510DB2}">
+      <thm15:themeFamily xmlns:thm15="http://schemas.microsoft.com/office/thememl/2012/main" name="Office Theme" id="{62F939B6-93AF-4DB8-9C6B-D6C7DFDC589F}" vid="{4A3C46E8-61CC-4603-A589-7422A47A8E4A}"/>
+    </a:ext>
+  </a:extLst>
+</a:theme>
 </file>
--- a/presentation.pptx
+++ b/presentation.pptx
@@ -138,7 +138,7 @@
   <pc:docChgLst>
     <pc:chgData name="ely katz" userId="bd26b9949e3df842" providerId="LiveId" clId="{5FB6D85F-387C-4971-94F8-FF9EAA426351}"/>
     <pc:docChg chg="undo redo custSel addSld modSld sldOrd">
-      <pc:chgData name="ely katz" userId="bd26b9949e3df842" providerId="LiveId" clId="{5FB6D85F-387C-4971-94F8-FF9EAA426351}" dt="2023-06-10T08:13:33.541" v="3001"/>
+      <pc:chgData name="ely katz" userId="bd26b9949e3df842" providerId="LiveId" clId="{5FB6D85F-387C-4971-94F8-FF9EAA426351}" dt="2023-06-10T11:10:26.415" v="3010" actId="1076"/>
       <pc:docMkLst>
         <pc:docMk/>
       </pc:docMkLst>
@@ -1269,6 +1269,37 @@
           </ac:picMkLst>
         </pc:picChg>
       </pc:sldChg>
+      <pc:sldChg chg="addSp modSp mod">
+        <pc:chgData name="ely katz" userId="bd26b9949e3df842" providerId="LiveId" clId="{5FB6D85F-387C-4971-94F8-FF9EAA426351}" dt="2023-06-10T11:10:26.415" v="3010" actId="1076"/>
+        <pc:sldMkLst>
+          <pc:docMk/>
+          <pc:sldMk cId="2918998856" sldId="266"/>
+        </pc:sldMkLst>
+        <pc:picChg chg="add mod">
+          <ac:chgData name="ely katz" userId="bd26b9949e3df842" providerId="LiveId" clId="{5FB6D85F-387C-4971-94F8-FF9EAA426351}" dt="2023-06-10T11:09:57.243" v="3007" actId="14100"/>
+          <ac:picMkLst>
+            <pc:docMk/>
+            <pc:sldMk cId="2918998856" sldId="266"/>
+            <ac:picMk id="5" creationId="{F0FD07F5-D299-5E00-2F81-0111CE21A151}"/>
+          </ac:picMkLst>
+        </pc:picChg>
+        <pc:picChg chg="add mod">
+          <ac:chgData name="ely katz" userId="bd26b9949e3df842" providerId="LiveId" clId="{5FB6D85F-387C-4971-94F8-FF9EAA426351}" dt="2023-06-10T11:09:52.164" v="3006" actId="1076"/>
+          <ac:picMkLst>
+            <pc:docMk/>
+            <pc:sldMk cId="2918998856" sldId="266"/>
+            <ac:picMk id="7" creationId="{E9AD9B48-FD58-0F84-0070-D22F27D1402F}"/>
+          </ac:picMkLst>
+        </pc:picChg>
+        <pc:picChg chg="add mod">
+          <ac:chgData name="ely katz" userId="bd26b9949e3df842" providerId="LiveId" clId="{5FB6D85F-387C-4971-94F8-FF9EAA426351}" dt="2023-06-10T11:10:26.415" v="3010" actId="1076"/>
+          <ac:picMkLst>
+            <pc:docMk/>
+            <pc:sldMk cId="2918998856" sldId="266"/>
+            <ac:picMk id="9" creationId="{4B89E6A1-A60B-9858-98BC-45F340F74880}"/>
+          </ac:picMkLst>
+        </pc:picChg>
+      </pc:sldChg>
     </pc:docChg>
   </pc:docChgLst>
 </pc:chgInfo>
@@ -10554,6 +10585,96 @@
           </a:p>
         </p:txBody>
       </p:sp>
+      <p:pic>
+        <p:nvPicPr>
+          <p:cNvPr id="5" name="Picture 4">
+            <a:extLst>
+              <a:ext uri="{FF2B5EF4-FFF2-40B4-BE49-F238E27FC236}">
+                <a16:creationId xmlns:a16="http://schemas.microsoft.com/office/drawing/2014/main" id="{F0FD07F5-D299-5E00-2F81-0111CE21A151}"/>
+              </a:ext>
+            </a:extLst>
+          </p:cNvPr>
+          <p:cNvPicPr>
+            <a:picLocks noChangeAspect="1"/>
+          </p:cNvPicPr>
+          <p:nvPr/>
+        </p:nvPicPr>
+        <p:blipFill>
+          <a:blip r:embed="rId2"/>
+          <a:stretch>
+            <a:fillRect/>
+          </a:stretch>
+        </p:blipFill>
+        <p:spPr>
+          <a:xfrm>
+            <a:off x="8336640" y="3970751"/>
+            <a:ext cx="3855360" cy="2887249"/>
+          </a:xfrm>
+          <a:prstGeom prst="rect">
+            <a:avLst/>
+          </a:prstGeom>
+        </p:spPr>
+      </p:pic>
+      <p:pic>
+        <p:nvPicPr>
+          <p:cNvPr id="7" name="Picture 6">
+            <a:extLst>
+              <a:ext uri="{FF2B5EF4-FFF2-40B4-BE49-F238E27FC236}">
+                <a16:creationId xmlns:a16="http://schemas.microsoft.com/office/drawing/2014/main" id="{E9AD9B48-FD58-0F84-0070-D22F27D1402F}"/>
+              </a:ext>
+            </a:extLst>
+          </p:cNvPr>
+          <p:cNvPicPr>
+            <a:picLocks noChangeAspect="1"/>
+          </p:cNvPicPr>
+          <p:nvPr/>
+        </p:nvPicPr>
+        <p:blipFill>
+          <a:blip r:embed="rId3"/>
+          <a:stretch>
+            <a:fillRect/>
+          </a:stretch>
+        </p:blipFill>
+        <p:spPr>
+          <a:xfrm>
+            <a:off x="0" y="4075753"/>
+            <a:ext cx="3741069" cy="2782247"/>
+          </a:xfrm>
+          <a:prstGeom prst="rect">
+            <a:avLst/>
+          </a:prstGeom>
+        </p:spPr>
+      </p:pic>
+      <p:pic>
+        <p:nvPicPr>
+          <p:cNvPr id="9" name="Picture 8">
+            <a:extLst>
+              <a:ext uri="{FF2B5EF4-FFF2-40B4-BE49-F238E27FC236}">
+                <a16:creationId xmlns:a16="http://schemas.microsoft.com/office/drawing/2014/main" id="{4B89E6A1-A60B-9858-98BC-45F340F74880}"/>
+              </a:ext>
+            </a:extLst>
+          </p:cNvPr>
+          <p:cNvPicPr>
+            <a:picLocks noChangeAspect="1"/>
+          </p:cNvPicPr>
+          <p:nvPr/>
+        </p:nvPicPr>
+        <p:blipFill>
+          <a:blip r:embed="rId4"/>
+          <a:stretch>
+            <a:fillRect/>
+          </a:stretch>
+        </p:blipFill>
+        <p:spPr>
+          <a:xfrm>
+            <a:off x="3915315" y="3632627"/>
+            <a:ext cx="4361370" cy="3238958"/>
+          </a:xfrm>
+          <a:prstGeom prst="rect">
+            <a:avLst/>
+          </a:prstGeom>
+        </p:spPr>
+      </p:pic>
     </p:spTree>
     <p:extLst>
       <p:ext uri="{BB962C8B-B14F-4D97-AF65-F5344CB8AC3E}">

--- a/presentation.pptx
+++ b/presentation.pptx
@@ -128,7 +128,7 @@
 <file path=ppt/revisionInfo.xml><?xml version="1.0" encoding="utf-8"?>
 <p1510:revInfo xmlns:a="http://schemas.openxmlformats.org/drawingml/2006/main" xmlns:r="http://schemas.openxmlformats.org/officeDocument/2006/relationships" xmlns:p1510="http://schemas.microsoft.com/office/powerpoint/2015/10/main">
   <p1510:revLst>
-    <p1510:client id="{5FB6D85F-387C-4971-94F8-FF9EAA426351}" v="86" dt="2023-06-10T08:13:33.541"/>
+    <p1510:client id="{5FB6D85F-387C-4971-94F8-FF9EAA426351}" v="91" dt="2023-06-12T07:25:21.874"/>
   </p1510:revLst>
 </p1510:revInfo>
 </file>
@@ -138,7 +138,7 @@
   <pc:docChgLst>
     <pc:chgData name="ely katz" userId="bd26b9949e3df842" providerId="LiveId" clId="{5FB6D85F-387C-4971-94F8-FF9EAA426351}"/>
     <pc:docChg chg="undo redo custSel addSld modSld sldOrd">
-      <pc:chgData name="ely katz" userId="bd26b9949e3df842" providerId="LiveId" clId="{5FB6D85F-387C-4971-94F8-FF9EAA426351}" dt="2023-06-10T11:10:26.415" v="3010" actId="1076"/>
+      <pc:chgData name="ely katz" userId="bd26b9949e3df842" providerId="LiveId" clId="{5FB6D85F-387C-4971-94F8-FF9EAA426351}" dt="2023-06-12T07:25:21.874" v="3057"/>
       <pc:docMkLst>
         <pc:docMk/>
       </pc:docMkLst>
@@ -1269,22 +1269,62 @@
           </ac:picMkLst>
         </pc:picChg>
       </pc:sldChg>
-      <pc:sldChg chg="addSp modSp mod">
-        <pc:chgData name="ely katz" userId="bd26b9949e3df842" providerId="LiveId" clId="{5FB6D85F-387C-4971-94F8-FF9EAA426351}" dt="2023-06-10T11:10:26.415" v="3010" actId="1076"/>
+      <pc:sldChg chg="addSp delSp modSp mod setBg addAnim delAnim modAnim">
+        <pc:chgData name="ely katz" userId="bd26b9949e3df842" providerId="LiveId" clId="{5FB6D85F-387C-4971-94F8-FF9EAA426351}" dt="2023-06-12T07:25:21.874" v="3057"/>
         <pc:sldMkLst>
           <pc:docMk/>
           <pc:sldMk cId="2918998856" sldId="266"/>
         </pc:sldMkLst>
-        <pc:picChg chg="add mod">
-          <ac:chgData name="ely katz" userId="bd26b9949e3df842" providerId="LiveId" clId="{5FB6D85F-387C-4971-94F8-FF9EAA426351}" dt="2023-06-10T11:09:57.243" v="3007" actId="14100"/>
+        <pc:spChg chg="mod">
+          <ac:chgData name="ely katz" userId="bd26b9949e3df842" providerId="LiveId" clId="{5FB6D85F-387C-4971-94F8-FF9EAA426351}" dt="2023-06-12T07:22:04.747" v="3028" actId="26606"/>
+          <ac:spMkLst>
+            <pc:docMk/>
+            <pc:sldMk cId="2918998856" sldId="266"/>
+            <ac:spMk id="2" creationId="{8C88EF07-B77C-98F6-8D42-DFD034C25A53}"/>
+          </ac:spMkLst>
+        </pc:spChg>
+        <pc:spChg chg="mod">
+          <ac:chgData name="ely katz" userId="bd26b9949e3df842" providerId="LiveId" clId="{5FB6D85F-387C-4971-94F8-FF9EAA426351}" dt="2023-06-12T07:23:20.937" v="3044" actId="20577"/>
+          <ac:spMkLst>
+            <pc:docMk/>
+            <pc:sldMk cId="2918998856" sldId="266"/>
+            <ac:spMk id="3" creationId="{8CB72595-9DA8-B443-AA14-56EE15A11BA1}"/>
+          </ac:spMkLst>
+        </pc:spChg>
+        <pc:spChg chg="add del">
+          <ac:chgData name="ely katz" userId="bd26b9949e3df842" providerId="LiveId" clId="{5FB6D85F-387C-4971-94F8-FF9EAA426351}" dt="2023-06-12T06:49:28.068" v="3014"/>
+          <ac:spMkLst>
+            <pc:docMk/>
+            <pc:sldMk cId="2918998856" sldId="266"/>
+            <ac:spMk id="4" creationId="{4CBAD097-CB2F-42A5-B7BF-90DE358A2F3D}"/>
+          </ac:spMkLst>
+        </pc:spChg>
+        <pc:spChg chg="add del">
+          <ac:chgData name="ely katz" userId="bd26b9949e3df842" providerId="LiveId" clId="{5FB6D85F-387C-4971-94F8-FF9EAA426351}" dt="2023-06-12T07:22:04.747" v="3028" actId="26606"/>
+          <ac:spMkLst>
+            <pc:docMk/>
+            <pc:sldMk cId="2918998856" sldId="266"/>
+            <ac:spMk id="22" creationId="{B76622F9-95FA-4AAD-9498-8E3D6C96AF0A}"/>
+          </ac:spMkLst>
+        </pc:spChg>
+        <pc:grpChg chg="add del">
+          <ac:chgData name="ely katz" userId="bd26b9949e3df842" providerId="LiveId" clId="{5FB6D85F-387C-4971-94F8-FF9EAA426351}" dt="2023-06-12T07:22:04.747" v="3028" actId="26606"/>
+          <ac:grpSpMkLst>
+            <pc:docMk/>
+            <pc:sldMk cId="2918998856" sldId="266"/>
+            <ac:grpSpMk id="18" creationId="{FF508BC2-D0E6-462C-8817-CF53BC4DEEFF}"/>
+          </ac:grpSpMkLst>
+        </pc:grpChg>
+        <pc:picChg chg="add del mod">
+          <ac:chgData name="ely katz" userId="bd26b9949e3df842" providerId="LiveId" clId="{5FB6D85F-387C-4971-94F8-FF9EAA426351}" dt="2023-06-12T06:49:25.695" v="3012" actId="478"/>
           <ac:picMkLst>
             <pc:docMk/>
             <pc:sldMk cId="2918998856" sldId="266"/>
             <ac:picMk id="5" creationId="{F0FD07F5-D299-5E00-2F81-0111CE21A151}"/>
           </ac:picMkLst>
         </pc:picChg>
-        <pc:picChg chg="add mod">
-          <ac:chgData name="ely katz" userId="bd26b9949e3df842" providerId="LiveId" clId="{5FB6D85F-387C-4971-94F8-FF9EAA426351}" dt="2023-06-10T11:09:52.164" v="3006" actId="1076"/>
+        <pc:picChg chg="add del mod">
+          <ac:chgData name="ely katz" userId="bd26b9949e3df842" providerId="LiveId" clId="{5FB6D85F-387C-4971-94F8-FF9EAA426351}" dt="2023-06-12T06:52:37.950" v="3019" actId="478"/>
           <ac:picMkLst>
             <pc:docMk/>
             <pc:sldMk cId="2918998856" sldId="266"/>
@@ -1292,11 +1332,43 @@
           </ac:picMkLst>
         </pc:picChg>
         <pc:picChg chg="add mod">
-          <ac:chgData name="ely katz" userId="bd26b9949e3df842" providerId="LiveId" clId="{5FB6D85F-387C-4971-94F8-FF9EAA426351}" dt="2023-06-10T11:10:26.415" v="3010" actId="1076"/>
+          <ac:chgData name="ely katz" userId="bd26b9949e3df842" providerId="LiveId" clId="{5FB6D85F-387C-4971-94F8-FF9EAA426351}" dt="2023-06-12T07:24:11.275" v="3048" actId="14100"/>
+          <ac:picMkLst>
+            <pc:docMk/>
+            <pc:sldMk cId="2918998856" sldId="266"/>
+            <ac:picMk id="8" creationId="{22E548C1-6DCA-336E-0D66-9BC47D7147DB}"/>
+          </ac:picMkLst>
+        </pc:picChg>
+        <pc:picChg chg="add del mod">
+          <ac:chgData name="ely katz" userId="bd26b9949e3df842" providerId="LiveId" clId="{5FB6D85F-387C-4971-94F8-FF9EAA426351}" dt="2023-06-12T07:16:58.119" v="3022" actId="478"/>
           <ac:picMkLst>
             <pc:docMk/>
             <pc:sldMk cId="2918998856" sldId="266"/>
             <ac:picMk id="9" creationId="{4B89E6A1-A60B-9858-98BC-45F340F74880}"/>
+          </ac:picMkLst>
+        </pc:picChg>
+        <pc:picChg chg="add mod">
+          <ac:chgData name="ely katz" userId="bd26b9949e3df842" providerId="LiveId" clId="{5FB6D85F-387C-4971-94F8-FF9EAA426351}" dt="2023-06-12T07:24:59.454" v="3052" actId="1076"/>
+          <ac:picMkLst>
+            <pc:docMk/>
+            <pc:sldMk cId="2918998856" sldId="266"/>
+            <ac:picMk id="11" creationId="{E6090401-C62D-5AED-E9B1-010D60652530}"/>
+          </ac:picMkLst>
+        </pc:picChg>
+        <pc:picChg chg="add mod ord">
+          <ac:chgData name="ely katz" userId="bd26b9949e3df842" providerId="LiveId" clId="{5FB6D85F-387C-4971-94F8-FF9EAA426351}" dt="2023-06-12T07:25:20.427" v="3056" actId="1076"/>
+          <ac:picMkLst>
+            <pc:docMk/>
+            <pc:sldMk cId="2918998856" sldId="266"/>
+            <ac:picMk id="13" creationId="{0D8037FC-427E-5893-882E-B69B04BB7375}"/>
+          </ac:picMkLst>
+        </pc:picChg>
+        <pc:picChg chg="add del">
+          <ac:chgData name="ely katz" userId="bd26b9949e3df842" providerId="LiveId" clId="{5FB6D85F-387C-4971-94F8-FF9EAA426351}" dt="2023-06-12T07:22:04.747" v="3028" actId="26606"/>
+          <ac:picMkLst>
+            <pc:docMk/>
+            <pc:sldMk cId="2918998856" sldId="266"/>
+            <ac:picMk id="24" creationId="{DFD6E812-7831-40CE-93CF-E0EBB8521175}"/>
           </ac:picMkLst>
         </pc:picChg>
       </pc:sldChg>
@@ -1474,7 +1546,7 @@
           <a:p>
             <a:fld id="{1C7B009D-A6E5-414E-BB91-A276F1AC16EF}" type="datetimeFigureOut">
               <a:rPr lang="en-IL" smtClean="0"/>
-              <a:t>10/06/2023</a:t>
+              <a:t>12/06/2023</a:t>
             </a:fld>
             <a:endParaRPr lang="en-IL"/>
           </a:p>
@@ -2341,7 +2413,7 @@
           <a:p>
             <a:fld id="{507718B8-419B-44F1-A15C-DCE6E89441DE}" type="datetimeFigureOut">
               <a:rPr lang="he-IL" smtClean="0"/>
-              <a:t>כ"א/סיון/תשפ"ג</a:t>
+              <a:t>כ"ג/סיון/תשפ"ג</a:t>
             </a:fld>
             <a:endParaRPr lang="he-IL"/>
           </a:p>
@@ -2755,7 +2827,7 @@
           <a:p>
             <a:fld id="{507718B8-419B-44F1-A15C-DCE6E89441DE}" type="datetimeFigureOut">
               <a:rPr lang="he-IL" smtClean="0"/>
-              <a:t>כ"א/סיון/תשפ"ג</a:t>
+              <a:t>כ"ג/סיון/תשפ"ג</a:t>
             </a:fld>
             <a:endParaRPr lang="he-IL"/>
           </a:p>
@@ -3091,7 +3163,7 @@
           <a:p>
             <a:fld id="{507718B8-419B-44F1-A15C-DCE6E89441DE}" type="datetimeFigureOut">
               <a:rPr lang="he-IL" smtClean="0"/>
-              <a:t>כ"א/סיון/תשפ"ג</a:t>
+              <a:t>כ"ג/סיון/תשפ"ג</a:t>
             </a:fld>
             <a:endParaRPr lang="he-IL"/>
           </a:p>
@@ -3496,7 +3568,7 @@
           <a:p>
             <a:fld id="{507718B8-419B-44F1-A15C-DCE6E89441DE}" type="datetimeFigureOut">
               <a:rPr lang="he-IL" smtClean="0"/>
-              <a:t>כ"א/סיון/תשפ"ג</a:t>
+              <a:t>כ"ג/סיון/תשפ"ג</a:t>
             </a:fld>
             <a:endParaRPr lang="he-IL"/>
           </a:p>
@@ -4064,7 +4136,7 @@
           <a:p>
             <a:fld id="{507718B8-419B-44F1-A15C-DCE6E89441DE}" type="datetimeFigureOut">
               <a:rPr lang="he-IL" smtClean="0"/>
-              <a:t>כ"א/סיון/תשפ"ג</a:t>
+              <a:t>כ"ג/סיון/תשפ"ג</a:t>
             </a:fld>
             <a:endParaRPr lang="he-IL"/>
           </a:p>
@@ -4745,7 +4817,7 @@
           <a:p>
             <a:fld id="{507718B8-419B-44F1-A15C-DCE6E89441DE}" type="datetimeFigureOut">
               <a:rPr lang="he-IL" smtClean="0"/>
-              <a:t>כ"א/סיון/תשפ"ג</a:t>
+              <a:t>כ"ג/סיון/תשפ"ג</a:t>
             </a:fld>
             <a:endParaRPr lang="he-IL"/>
           </a:p>
@@ -5658,7 +5730,7 @@
           <a:p>
             <a:fld id="{507718B8-419B-44F1-A15C-DCE6E89441DE}" type="datetimeFigureOut">
               <a:rPr lang="he-IL" smtClean="0"/>
-              <a:t>כ"א/סיון/תשפ"ג</a:t>
+              <a:t>כ"ג/סיון/תשפ"ג</a:t>
             </a:fld>
             <a:endParaRPr lang="he-IL"/>
           </a:p>
@@ -5971,7 +6043,7 @@
           <a:p>
             <a:fld id="{507718B8-419B-44F1-A15C-DCE6E89441DE}" type="datetimeFigureOut">
               <a:rPr lang="he-IL" smtClean="0"/>
-              <a:t>כ"א/סיון/תשפ"ג</a:t>
+              <a:t>כ"ג/סיון/תשפ"ג</a:t>
             </a:fld>
             <a:endParaRPr lang="he-IL"/>
           </a:p>
@@ -6235,7 +6307,7 @@
           <a:p>
             <a:fld id="{507718B8-419B-44F1-A15C-DCE6E89441DE}" type="datetimeFigureOut">
               <a:rPr lang="he-IL" smtClean="0"/>
-              <a:t>כ"א/סיון/תשפ"ג</a:t>
+              <a:t>כ"ג/סיון/תשפ"ג</a:t>
             </a:fld>
             <a:endParaRPr lang="he-IL"/>
           </a:p>
@@ -6558,7 +6630,7 @@
           <a:p>
             <a:fld id="{507718B8-419B-44F1-A15C-DCE6E89441DE}" type="datetimeFigureOut">
               <a:rPr lang="he-IL" smtClean="0"/>
-              <a:t>כ"א/סיון/תשפ"ג</a:t>
+              <a:t>כ"ג/סיון/תשפ"ג</a:t>
             </a:fld>
             <a:endParaRPr lang="he-IL"/>
           </a:p>
@@ -6947,7 +7019,7 @@
           <a:p>
             <a:fld id="{507718B8-419B-44F1-A15C-DCE6E89441DE}" type="datetimeFigureOut">
               <a:rPr lang="he-IL" smtClean="0"/>
-              <a:t>כ"א/סיון/תשפ"ג</a:t>
+              <a:t>כ"ג/סיון/תשפ"ג</a:t>
             </a:fld>
             <a:endParaRPr lang="he-IL"/>
           </a:p>
@@ -7323,7 +7395,7 @@
           <a:p>
             <a:fld id="{507718B8-419B-44F1-A15C-DCE6E89441DE}" type="datetimeFigureOut">
               <a:rPr lang="he-IL" smtClean="0"/>
-              <a:t>כ"א/סיון/תשפ"ג</a:t>
+              <a:t>כ"ג/סיון/תשפ"ג</a:t>
             </a:fld>
             <a:endParaRPr lang="he-IL"/>
           </a:p>
@@ -7829,7 +7901,7 @@
           <a:p>
             <a:fld id="{507718B8-419B-44F1-A15C-DCE6E89441DE}" type="datetimeFigureOut">
               <a:rPr lang="he-IL" smtClean="0"/>
-              <a:t>כ"א/סיון/תשפ"ג</a:t>
+              <a:t>כ"ג/סיון/תשפ"ג</a:t>
             </a:fld>
             <a:endParaRPr lang="he-IL"/>
           </a:p>
@@ -8086,7 +8158,7 @@
           <a:p>
             <a:fld id="{507718B8-419B-44F1-A15C-DCE6E89441DE}" type="datetimeFigureOut">
               <a:rPr lang="he-IL" smtClean="0"/>
-              <a:t>כ"א/סיון/תשפ"ג</a:t>
+              <a:t>כ"ג/סיון/תשפ"ג</a:t>
             </a:fld>
             <a:endParaRPr lang="he-IL"/>
           </a:p>
@@ -8249,7 +8321,7 @@
           <a:p>
             <a:fld id="{507718B8-419B-44F1-A15C-DCE6E89441DE}" type="datetimeFigureOut">
               <a:rPr lang="he-IL" smtClean="0"/>
-              <a:t>כ"א/סיון/תשפ"ג</a:t>
+              <a:t>כ"ג/סיון/תשפ"ג</a:t>
             </a:fld>
             <a:endParaRPr lang="he-IL"/>
           </a:p>
@@ -8639,7 +8711,7 @@
           <a:p>
             <a:fld id="{507718B8-419B-44F1-A15C-DCE6E89441DE}" type="datetimeFigureOut">
               <a:rPr lang="he-IL" smtClean="0"/>
-              <a:t>כ"א/סיון/תשפ"ג</a:t>
+              <a:t>כ"ג/סיון/תשפ"ג</a:t>
             </a:fld>
             <a:endParaRPr lang="he-IL"/>
           </a:p>
@@ -9048,7 +9120,7 @@
           <a:p>
             <a:fld id="{507718B8-419B-44F1-A15C-DCE6E89441DE}" type="datetimeFigureOut">
               <a:rPr lang="he-IL" smtClean="0"/>
-              <a:t>כ"א/סיון/תשפ"ג</a:t>
+              <a:t>כ"ג/סיון/תשפ"ג</a:t>
             </a:fld>
             <a:endParaRPr lang="he-IL"/>
           </a:p>
@@ -9292,7 +9364,7 @@
           <a:p>
             <a:fld id="{507718B8-419B-44F1-A15C-DCE6E89441DE}" type="datetimeFigureOut">
               <a:rPr lang="he-IL" smtClean="0"/>
-              <a:t>כ"א/סיון/תשפ"ג</a:t>
+              <a:t>כ"ג/סיון/תשפ"ג</a:t>
             </a:fld>
             <a:endParaRPr lang="he-IL"/>
           </a:p>
@@ -10577,20 +10649,16 @@
           <a:bodyPr/>
           <a:lstStyle/>
           <a:p>
-            <a:r>
-              <a:rPr lang="en-US" dirty="0"/>
-              <a:t>TBD</a:t>
-            </a:r>
             <a:endParaRPr lang="he-IL" dirty="0"/>
           </a:p>
         </p:txBody>
       </p:sp>
       <p:pic>
         <p:nvPicPr>
-          <p:cNvPr id="5" name="Picture 4">
+          <p:cNvPr id="8" name="Picture 7">
             <a:extLst>
               <a:ext uri="{FF2B5EF4-FFF2-40B4-BE49-F238E27FC236}">
-                <a16:creationId xmlns:a16="http://schemas.microsoft.com/office/drawing/2014/main" id="{F0FD07F5-D299-5E00-2F81-0111CE21A151}"/>
+                <a16:creationId xmlns:a16="http://schemas.microsoft.com/office/drawing/2014/main" id="{22E548C1-6DCA-336E-0D66-9BC47D7147DB}"/>
               </a:ext>
             </a:extLst>
           </p:cNvPr>
@@ -10607,8 +10675,8 @@
         </p:blipFill>
         <p:spPr>
           <a:xfrm>
-            <a:off x="8336640" y="3970751"/>
-            <a:ext cx="3855360" cy="2887249"/>
+            <a:off x="-54402" y="1948284"/>
+            <a:ext cx="7969042" cy="4908206"/>
           </a:xfrm>
           <a:prstGeom prst="rect">
             <a:avLst/>
@@ -10617,10 +10685,10 @@
       </p:pic>
       <p:pic>
         <p:nvPicPr>
-          <p:cNvPr id="7" name="Picture 6">
+          <p:cNvPr id="11" name="Picture 10">
             <a:extLst>
               <a:ext uri="{FF2B5EF4-FFF2-40B4-BE49-F238E27FC236}">
-                <a16:creationId xmlns:a16="http://schemas.microsoft.com/office/drawing/2014/main" id="{E9AD9B48-FD58-0F84-0070-D22F27D1402F}"/>
+                <a16:creationId xmlns:a16="http://schemas.microsoft.com/office/drawing/2014/main" id="{E6090401-C62D-5AED-E9B1-010D60652530}"/>
               </a:ext>
             </a:extLst>
           </p:cNvPr>
@@ -10637,8 +10705,8 @@
         </p:blipFill>
         <p:spPr>
           <a:xfrm>
-            <a:off x="0" y="4075753"/>
-            <a:ext cx="3741069" cy="2782247"/>
+            <a:off x="7914640" y="0"/>
+            <a:ext cx="4263305" cy="3230880"/>
           </a:xfrm>
           <a:prstGeom prst="rect">
             <a:avLst/>
@@ -10647,10 +10715,10 @@
       </p:pic>
       <p:pic>
         <p:nvPicPr>
-          <p:cNvPr id="9" name="Picture 8">
+          <p:cNvPr id="13" name="Picture 12">
             <a:extLst>
               <a:ext uri="{FF2B5EF4-FFF2-40B4-BE49-F238E27FC236}">
-                <a16:creationId xmlns:a16="http://schemas.microsoft.com/office/drawing/2014/main" id="{4B89E6A1-A60B-9858-98BC-45F340F74880}"/>
+                <a16:creationId xmlns:a16="http://schemas.microsoft.com/office/drawing/2014/main" id="{0D8037FC-427E-5893-882E-B69B04BB7375}"/>
               </a:ext>
             </a:extLst>
           </p:cNvPr>
@@ -10667,8 +10735,8 @@
         </p:blipFill>
         <p:spPr>
           <a:xfrm>
-            <a:off x="3915315" y="3632627"/>
-            <a:ext cx="4361370" cy="3238958"/>
+            <a:off x="7914640" y="3241040"/>
+            <a:ext cx="4277361" cy="3647441"/>
           </a:xfrm>
           <a:prstGeom prst="rect">
             <a:avLst/>
@@ -10685,6 +10753,171 @@
   <p:clrMapOvr>
     <a:masterClrMapping/>
   </p:clrMapOvr>
+  <p:timing>
+    <p:tnLst>
+      <p:par>
+        <p:cTn id="1" dur="indefinite" restart="never" nodeType="tmRoot">
+          <p:childTnLst>
+            <p:seq concurrent="1" nextAc="seek">
+              <p:cTn id="2" dur="indefinite" nodeType="mainSeq">
+                <p:childTnLst>
+                  <p:par>
+                    <p:cTn id="3" fill="hold">
+                      <p:stCondLst>
+                        <p:cond delay="indefinite"/>
+                      </p:stCondLst>
+                      <p:childTnLst>
+                        <p:par>
+                          <p:cTn id="4" fill="hold">
+                            <p:stCondLst>
+                              <p:cond delay="0"/>
+                            </p:stCondLst>
+                            <p:childTnLst>
+                              <p:par>
+                                <p:cTn id="5" presetID="1" presetClass="entr" presetSubtype="0" fill="hold" nodeType="clickEffect">
+                                  <p:stCondLst>
+                                    <p:cond delay="0"/>
+                                  </p:stCondLst>
+                                  <p:childTnLst>
+                                    <p:set>
+                                      <p:cBhvr>
+                                        <p:cTn id="6" dur="1" fill="hold">
+                                          <p:stCondLst>
+                                            <p:cond delay="0"/>
+                                          </p:stCondLst>
+                                        </p:cTn>
+                                        <p:tgtEl>
+                                          <p:spTgt spid="8"/>
+                                        </p:tgtEl>
+                                        <p:attrNameLst>
+                                          <p:attrName>style.visibility</p:attrName>
+                                        </p:attrNameLst>
+                                      </p:cBhvr>
+                                      <p:to>
+                                        <p:strVal val="visible"/>
+                                      </p:to>
+                                    </p:set>
+                                  </p:childTnLst>
+                                </p:cTn>
+                              </p:par>
+                            </p:childTnLst>
+                          </p:cTn>
+                        </p:par>
+                      </p:childTnLst>
+                    </p:cTn>
+                  </p:par>
+                  <p:par>
+                    <p:cTn id="7" fill="hold">
+                      <p:stCondLst>
+                        <p:cond delay="indefinite"/>
+                      </p:stCondLst>
+                      <p:childTnLst>
+                        <p:par>
+                          <p:cTn id="8" fill="hold">
+                            <p:stCondLst>
+                              <p:cond delay="0"/>
+                            </p:stCondLst>
+                            <p:childTnLst>
+                              <p:par>
+                                <p:cTn id="9" presetID="1" presetClass="entr" presetSubtype="0" fill="hold" nodeType="clickEffect">
+                                  <p:stCondLst>
+                                    <p:cond delay="0"/>
+                                  </p:stCondLst>
+                                  <p:childTnLst>
+                                    <p:set>
+                                      <p:cBhvr>
+                                        <p:cTn id="10" dur="1" fill="hold">
+                                          <p:stCondLst>
+                                            <p:cond delay="0"/>
+                                          </p:stCondLst>
+                                        </p:cTn>
+                                        <p:tgtEl>
+                                          <p:spTgt spid="11"/>
+                                        </p:tgtEl>
+                                        <p:attrNameLst>
+                                          <p:attrName>style.visibility</p:attrName>
+                                        </p:attrNameLst>
+                                      </p:cBhvr>
+                                      <p:to>
+                                        <p:strVal val="visible"/>
+                                      </p:to>
+                                    </p:set>
+                                  </p:childTnLst>
+                                </p:cTn>
+                              </p:par>
+                            </p:childTnLst>
+                          </p:cTn>
+                        </p:par>
+                      </p:childTnLst>
+                    </p:cTn>
+                  </p:par>
+                  <p:par>
+                    <p:cTn id="11" fill="hold">
+                      <p:stCondLst>
+                        <p:cond delay="indefinite"/>
+                      </p:stCondLst>
+                      <p:childTnLst>
+                        <p:par>
+                          <p:cTn id="12" fill="hold">
+                            <p:stCondLst>
+                              <p:cond delay="0"/>
+                            </p:stCondLst>
+                            <p:childTnLst>
+                              <p:par>
+                                <p:cTn id="13" presetID="1" presetClass="entr" presetSubtype="0" fill="hold" nodeType="clickEffect">
+                                  <p:stCondLst>
+                                    <p:cond delay="0"/>
+                                  </p:stCondLst>
+                                  <p:childTnLst>
+                                    <p:set>
+                                      <p:cBhvr>
+                                        <p:cTn id="14" dur="1" fill="hold">
+                                          <p:stCondLst>
+                                            <p:cond delay="0"/>
+                                          </p:stCondLst>
+                                        </p:cTn>
+                                        <p:tgtEl>
+                                          <p:spTgt spid="13"/>
+                                        </p:tgtEl>
+                                        <p:attrNameLst>
+                                          <p:attrName>style.visibility</p:attrName>
+                                        </p:attrNameLst>
+                                      </p:cBhvr>
+                                      <p:to>
+                                        <p:strVal val="visible"/>
+                                      </p:to>
+                                    </p:set>
+                                  </p:childTnLst>
+                                </p:cTn>
+                              </p:par>
+                            </p:childTnLst>
+                          </p:cTn>
+                        </p:par>
+                      </p:childTnLst>
+                    </p:cTn>
+                  </p:par>
+                </p:childTnLst>
+              </p:cTn>
+              <p:prevCondLst>
+                <p:cond evt="onPrev" delay="0">
+                  <p:tgtEl>
+                    <p:sldTgt/>
+                  </p:tgtEl>
+                </p:cond>
+              </p:prevCondLst>
+              <p:nextCondLst>
+                <p:cond evt="onNext" delay="0">
+                  <p:tgtEl>
+                    <p:sldTgt/>
+                  </p:tgtEl>
+                </p:cond>
+              </p:nextCondLst>
+            </p:seq>
+          </p:childTnLst>
+        </p:cTn>
+      </p:par>
+    </p:tnLst>
+  </p:timing>
 </p:sld>
 </file>
 

--- a/presentation.pptx
+++ b/presentation.pptx
@@ -138,12 +138,12 @@
   <pc:docChgLst>
     <pc:chgData name="ely katz" userId="bd26b9949e3df842" providerId="LiveId" clId="{5FB6D85F-387C-4971-94F8-FF9EAA426351}"/>
     <pc:docChg chg="undo redo custSel addSld modSld sldOrd">
-      <pc:chgData name="ely katz" userId="bd26b9949e3df842" providerId="LiveId" clId="{5FB6D85F-387C-4971-94F8-FF9EAA426351}" dt="2023-06-12T07:25:21.874" v="3057"/>
+      <pc:chgData name="ely katz" userId="bd26b9949e3df842" providerId="LiveId" clId="{5FB6D85F-387C-4971-94F8-FF9EAA426351}" dt="2023-06-14T11:23:52.701" v="3060"/>
       <pc:docMkLst>
         <pc:docMk/>
       </pc:docMkLst>
       <pc:sldChg chg="addSp delSp modSp mod setBg setClrOvrMap delDesignElem">
-        <pc:chgData name="ely katz" userId="bd26b9949e3df842" providerId="LiveId" clId="{5FB6D85F-387C-4971-94F8-FF9EAA426351}" dt="2023-06-06T17:01:49.036" v="92" actId="14100"/>
+        <pc:chgData name="ely katz" userId="bd26b9949e3df842" providerId="LiveId" clId="{5FB6D85F-387C-4971-94F8-FF9EAA426351}" dt="2023-06-14T11:23:52.701" v="3060"/>
         <pc:sldMkLst>
           <pc:docMk/>
           <pc:sldMk cId="2416624865" sldId="256"/>
@@ -156,8 +156,8 @@
             <ac:spMk id="2" creationId="{D74E2DEC-D225-508A-8300-DCAE9518E327}"/>
           </ac:spMkLst>
         </pc:spChg>
-        <pc:spChg chg="mod">
-          <ac:chgData name="ely katz" userId="bd26b9949e3df842" providerId="LiveId" clId="{5FB6D85F-387C-4971-94F8-FF9EAA426351}" dt="2023-06-06T17:00:06.990" v="43" actId="207"/>
+        <pc:spChg chg="del mod">
+          <ac:chgData name="ely katz" userId="bd26b9949e3df842" providerId="LiveId" clId="{5FB6D85F-387C-4971-94F8-FF9EAA426351}" dt="2023-06-14T11:23:52.701" v="3060"/>
           <ac:spMkLst>
             <pc:docMk/>
             <pc:sldMk cId="2416624865" sldId="256"/>
@@ -1546,7 +1546,7 @@
           <a:p>
             <a:fld id="{1C7B009D-A6E5-414E-BB91-A276F1AC16EF}" type="datetimeFigureOut">
               <a:rPr lang="en-IL" smtClean="0"/>
-              <a:t>12/06/2023</a:t>
+              <a:t>14/06/2023</a:t>
             </a:fld>
             <a:endParaRPr lang="en-IL"/>
           </a:p>
@@ -2413,7 +2413,7 @@
           <a:p>
             <a:fld id="{507718B8-419B-44F1-A15C-DCE6E89441DE}" type="datetimeFigureOut">
               <a:rPr lang="he-IL" smtClean="0"/>
-              <a:t>כ"ג/סיון/תשפ"ג</a:t>
+              <a:t>כ"ה/סיון/תשפ"ג</a:t>
             </a:fld>
             <a:endParaRPr lang="he-IL"/>
           </a:p>
@@ -2827,7 +2827,7 @@
           <a:p>
             <a:fld id="{507718B8-419B-44F1-A15C-DCE6E89441DE}" type="datetimeFigureOut">
               <a:rPr lang="he-IL" smtClean="0"/>
-              <a:t>כ"ג/סיון/תשפ"ג</a:t>
+              <a:t>כ"ה/סיון/תשפ"ג</a:t>
             </a:fld>
             <a:endParaRPr lang="he-IL"/>
           </a:p>
@@ -3163,7 +3163,7 @@
           <a:p>
             <a:fld id="{507718B8-419B-44F1-A15C-DCE6E89441DE}" type="datetimeFigureOut">
               <a:rPr lang="he-IL" smtClean="0"/>
-              <a:t>כ"ג/סיון/תשפ"ג</a:t>
+              <a:t>כ"ה/סיון/תשפ"ג</a:t>
             </a:fld>
             <a:endParaRPr lang="he-IL"/>
           </a:p>
@@ -3568,7 +3568,7 @@
           <a:p>
             <a:fld id="{507718B8-419B-44F1-A15C-DCE6E89441DE}" type="datetimeFigureOut">
               <a:rPr lang="he-IL" smtClean="0"/>
-              <a:t>כ"ג/סיון/תשפ"ג</a:t>
+              <a:t>כ"ה/סיון/תשפ"ג</a:t>
             </a:fld>
             <a:endParaRPr lang="he-IL"/>
           </a:p>
@@ -4136,7 +4136,7 @@
           <a:p>
             <a:fld id="{507718B8-419B-44F1-A15C-DCE6E89441DE}" type="datetimeFigureOut">
               <a:rPr lang="he-IL" smtClean="0"/>
-              <a:t>כ"ג/סיון/תשפ"ג</a:t>
+              <a:t>כ"ה/סיון/תשפ"ג</a:t>
             </a:fld>
             <a:endParaRPr lang="he-IL"/>
           </a:p>
@@ -4817,7 +4817,7 @@
           <a:p>
             <a:fld id="{507718B8-419B-44F1-A15C-DCE6E89441DE}" type="datetimeFigureOut">
               <a:rPr lang="he-IL" smtClean="0"/>
-              <a:t>כ"ג/סיון/תשפ"ג</a:t>
+              <a:t>כ"ה/סיון/תשפ"ג</a:t>
             </a:fld>
             <a:endParaRPr lang="he-IL"/>
           </a:p>
@@ -5730,7 +5730,7 @@
           <a:p>
             <a:fld id="{507718B8-419B-44F1-A15C-DCE6E89441DE}" type="datetimeFigureOut">
               <a:rPr lang="he-IL" smtClean="0"/>
-              <a:t>כ"ג/סיון/תשפ"ג</a:t>
+              <a:t>כ"ה/סיון/תשפ"ג</a:t>
             </a:fld>
             <a:endParaRPr lang="he-IL"/>
           </a:p>
@@ -6043,7 +6043,7 @@
           <a:p>
             <a:fld id="{507718B8-419B-44F1-A15C-DCE6E89441DE}" type="datetimeFigureOut">
               <a:rPr lang="he-IL" smtClean="0"/>
-              <a:t>כ"ג/סיון/תשפ"ג</a:t>
+              <a:t>כ"ה/סיון/תשפ"ג</a:t>
             </a:fld>
             <a:endParaRPr lang="he-IL"/>
           </a:p>
@@ -6307,7 +6307,7 @@
           <a:p>
             <a:fld id="{507718B8-419B-44F1-A15C-DCE6E89441DE}" type="datetimeFigureOut">
               <a:rPr lang="he-IL" smtClean="0"/>
-              <a:t>כ"ג/סיון/תשפ"ג</a:t>
+              <a:t>כ"ה/סיון/תשפ"ג</a:t>
             </a:fld>
             <a:endParaRPr lang="he-IL"/>
           </a:p>
@@ -6630,7 +6630,7 @@
           <a:p>
             <a:fld id="{507718B8-419B-44F1-A15C-DCE6E89441DE}" type="datetimeFigureOut">
               <a:rPr lang="he-IL" smtClean="0"/>
-              <a:t>כ"ג/סיון/תשפ"ג</a:t>
+              <a:t>כ"ה/סיון/תשפ"ג</a:t>
             </a:fld>
             <a:endParaRPr lang="he-IL"/>
           </a:p>
@@ -7019,7 +7019,7 @@
           <a:p>
             <a:fld id="{507718B8-419B-44F1-A15C-DCE6E89441DE}" type="datetimeFigureOut">
               <a:rPr lang="he-IL" smtClean="0"/>
-              <a:t>כ"ג/סיון/תשפ"ג</a:t>
+              <a:t>כ"ה/סיון/תשפ"ג</a:t>
             </a:fld>
             <a:endParaRPr lang="he-IL"/>
           </a:p>
@@ -7395,7 +7395,7 @@
           <a:p>
             <a:fld id="{507718B8-419B-44F1-A15C-DCE6E89441DE}" type="datetimeFigureOut">
               <a:rPr lang="he-IL" smtClean="0"/>
-              <a:t>כ"ג/סיון/תשפ"ג</a:t>
+              <a:t>כ"ה/סיון/תשפ"ג</a:t>
             </a:fld>
             <a:endParaRPr lang="he-IL"/>
           </a:p>
@@ -7901,7 +7901,7 @@
           <a:p>
             <a:fld id="{507718B8-419B-44F1-A15C-DCE6E89441DE}" type="datetimeFigureOut">
               <a:rPr lang="he-IL" smtClean="0"/>
-              <a:t>כ"ג/סיון/תשפ"ג</a:t>
+              <a:t>כ"ה/סיון/תשפ"ג</a:t>
             </a:fld>
             <a:endParaRPr lang="he-IL"/>
           </a:p>
@@ -8158,7 +8158,7 @@
           <a:p>
             <a:fld id="{507718B8-419B-44F1-A15C-DCE6E89441DE}" type="datetimeFigureOut">
               <a:rPr lang="he-IL" smtClean="0"/>
-              <a:t>כ"ג/סיון/תשפ"ג</a:t>
+              <a:t>כ"ה/סיון/תשפ"ג</a:t>
             </a:fld>
             <a:endParaRPr lang="he-IL"/>
           </a:p>
@@ -8321,7 +8321,7 @@
           <a:p>
             <a:fld id="{507718B8-419B-44F1-A15C-DCE6E89441DE}" type="datetimeFigureOut">
               <a:rPr lang="he-IL" smtClean="0"/>
-              <a:t>כ"ג/סיון/תשפ"ג</a:t>
+              <a:t>כ"ה/סיון/תשפ"ג</a:t>
             </a:fld>
             <a:endParaRPr lang="he-IL"/>
           </a:p>
@@ -8711,7 +8711,7 @@
           <a:p>
             <a:fld id="{507718B8-419B-44F1-A15C-DCE6E89441DE}" type="datetimeFigureOut">
               <a:rPr lang="he-IL" smtClean="0"/>
-              <a:t>כ"ג/סיון/תשפ"ג</a:t>
+              <a:t>כ"ה/סיון/תשפ"ג</a:t>
             </a:fld>
             <a:endParaRPr lang="he-IL"/>
           </a:p>
@@ -9120,7 +9120,7 @@
           <a:p>
             <a:fld id="{507718B8-419B-44F1-A15C-DCE6E89441DE}" type="datetimeFigureOut">
               <a:rPr lang="he-IL" smtClean="0"/>
-              <a:t>כ"ג/סיון/תשפ"ג</a:t>
+              <a:t>כ"ה/סיון/תשפ"ג</a:t>
             </a:fld>
             <a:endParaRPr lang="he-IL"/>
           </a:p>
@@ -9364,7 +9364,7 @@
           <a:p>
             <a:fld id="{507718B8-419B-44F1-A15C-DCE6E89441DE}" type="datetimeFigureOut">
               <a:rPr lang="he-IL" smtClean="0"/>
-              <a:t>כ"ג/סיון/תשפ"ג</a:t>
+              <a:t>כ"ה/סיון/תשפ"ג</a:t>
             </a:fld>
             <a:endParaRPr lang="he-IL"/>
           </a:p>
@@ -10125,74 +10125,6 @@
             <a:schemeClr val="lt1"/>
           </a:fontRef>
         </p:style>
-      </p:sp>
-      <p:sp>
-        <p:nvSpPr>
-          <p:cNvPr id="4" name="מלבן 3">
-            <a:extLst>
-              <a:ext uri="{FF2B5EF4-FFF2-40B4-BE49-F238E27FC236}">
-                <a16:creationId xmlns:a16="http://schemas.microsoft.com/office/drawing/2014/main" id="{BEA4C839-DB17-376B-3F68-3B63DB8C35EC}"/>
-              </a:ext>
-            </a:extLst>
-          </p:cNvPr>
-          <p:cNvSpPr/>
-          <p:nvPr/>
-        </p:nvSpPr>
-        <p:spPr>
-          <a:xfrm>
-            <a:off x="5079309" y="609600"/>
-            <a:ext cx="1973618" cy="677878"/>
-          </a:xfrm>
-          <a:prstGeom prst="rect">
-            <a:avLst/>
-          </a:prstGeom>
-          <a:noFill/>
-        </p:spPr>
-        <p:txBody>
-          <a:bodyPr wrap="none" lIns="91440" tIns="45720" rIns="91440" bIns="45720">
-            <a:spAutoFit/>
-          </a:bodyPr>
-          <a:lstStyle/>
-          <a:p>
-            <a:pPr algn="ctr" defTabSz="322091">
-              <a:spcAft>
-                <a:spcPts val="454"/>
-              </a:spcAft>
-            </a:pPr>
-            <a:r>
-              <a:rPr lang="en-US" sz="3805" kern="1200" dirty="0" err="1">
-                <a:ln w="0"/>
-                <a:solidFill>
-                  <a:schemeClr val="bg1"/>
-                </a:solidFill>
-                <a:effectLst>
-                  <a:outerShdw blurRad="38100" dist="19050" dir="2700000" algn="tl" rotWithShape="0">
-                    <a:schemeClr val="dk1">
-                      <a:alpha val="40000"/>
-                    </a:schemeClr>
-                  </a:outerShdw>
-                </a:effectLst>
-                <a:latin typeface="+mn-lt"/>
-                <a:ea typeface="+mn-ea"/>
-                <a:cs typeface="+mn-cs"/>
-              </a:rPr>
-              <a:t>AutoAgg</a:t>
-            </a:r>
-            <a:endParaRPr lang="he-IL" sz="5400" b="0" cap="none" spc="0" dirty="0">
-              <a:ln w="0"/>
-              <a:solidFill>
-                <a:schemeClr val="bg1"/>
-              </a:solidFill>
-              <a:effectLst>
-                <a:outerShdw blurRad="38100" dist="19050" dir="2700000" algn="tl" rotWithShape="0">
-                  <a:schemeClr val="dk1">
-                    <a:alpha val="40000"/>
-                  </a:schemeClr>
-                </a:outerShdw>
-              </a:effectLst>
-            </a:endParaRPr>
-          </a:p>
-        </p:txBody>
       </p:sp>
       <p:sp>
         <p:nvSpPr>
